--- a/instructors/05-being-precise.pptx
+++ b/instructors/05-being-precise.pptx
@@ -5,7 +5,7 @@
     <p:sldMasterId id="2147483648" r:id="rId1"/>
   </p:sldMasterIdLst>
   <p:notesMasterIdLst>
-    <p:notesMasterId r:id="rId13"/>
+    <p:notesMasterId r:id="rId20"/>
   </p:notesMasterIdLst>
   <p:sldIdLst>
     <p:sldId id="256" r:id="rId2"/>
@@ -17,8 +17,15 @@
     <p:sldId id="280" r:id="rId8"/>
     <p:sldId id="259" r:id="rId9"/>
     <p:sldId id="273" r:id="rId10"/>
-    <p:sldId id="275" r:id="rId11"/>
-    <p:sldId id="264" r:id="rId12"/>
+    <p:sldId id="281" r:id="rId11"/>
+    <p:sldId id="282" r:id="rId12"/>
+    <p:sldId id="283" r:id="rId13"/>
+    <p:sldId id="284" r:id="rId14"/>
+    <p:sldId id="285" r:id="rId15"/>
+    <p:sldId id="286" r:id="rId16"/>
+    <p:sldId id="287" r:id="rId17"/>
+    <p:sldId id="275" r:id="rId18"/>
+    <p:sldId id="264" r:id="rId19"/>
   </p:sldIdLst>
   <p:sldSz cx="12192000" cy="6858000"/>
   <p:notesSz cx="6858000" cy="9144000"/>
@@ -207,7 +214,7 @@
           <a:p>
             <a:fld id="{FA57F229-43F7-7D47-A634-B37BDFAB7535}" type="datetimeFigureOut">
               <a:rPr lang="en-GB" smtClean="0"/>
-              <a:t>06/10/2021</a:t>
+              <a:t>07/10/2021</a:t>
             </a:fld>
             <a:endParaRPr lang="en-GB"/>
           </a:p>
@@ -834,6 +841,342 @@
 </p:notes>
 </file>
 
+<file path=ppt/notesSlides/notesSlide10.xml><?xml version="1.0" encoding="utf-8"?>
+<p:notes xmlns:a="http://schemas.openxmlformats.org/drawingml/2006/main" xmlns:r="http://schemas.openxmlformats.org/officeDocument/2006/relationships" xmlns:p="http://schemas.openxmlformats.org/presentationml/2006/main">
+  <p:cSld>
+    <p:spTree>
+      <p:nvGrpSpPr>
+        <p:cNvPr id="1" name=""/>
+        <p:cNvGrpSpPr/>
+        <p:nvPr/>
+      </p:nvGrpSpPr>
+      <p:grpSpPr>
+        <a:xfrm>
+          <a:off x="0" y="0"/>
+          <a:ext cx="0" cy="0"/>
+          <a:chOff x="0" y="0"/>
+          <a:chExt cx="0" cy="0"/>
+        </a:xfrm>
+      </p:grpSpPr>
+      <p:sp>
+        <p:nvSpPr>
+          <p:cNvPr id="2" name="Slide Image Placeholder 1"/>
+          <p:cNvSpPr>
+            <a:spLocks noGrp="1" noRot="1" noChangeAspect="1"/>
+          </p:cNvSpPr>
+          <p:nvPr>
+            <p:ph type="sldImg"/>
+          </p:nvPr>
+        </p:nvSpPr>
+        <p:spPr/>
+      </p:sp>
+      <p:sp>
+        <p:nvSpPr>
+          <p:cNvPr id="3" name="Notes Placeholder 2"/>
+          <p:cNvSpPr>
+            <a:spLocks noGrp="1"/>
+          </p:cNvSpPr>
+          <p:nvPr>
+            <p:ph type="body" idx="1"/>
+          </p:nvPr>
+        </p:nvSpPr>
+        <p:spPr/>
+        <p:txBody>
+          <a:bodyPr/>
+          <a:lstStyle/>
+          <a:p>
+            <a:endParaRPr lang="en-GB" dirty="0"/>
+          </a:p>
+        </p:txBody>
+      </p:sp>
+      <p:sp>
+        <p:nvSpPr>
+          <p:cNvPr id="4" name="Slide Number Placeholder 3"/>
+          <p:cNvSpPr>
+            <a:spLocks noGrp="1"/>
+          </p:cNvSpPr>
+          <p:nvPr>
+            <p:ph type="sldNum" sz="quarter" idx="10"/>
+          </p:nvPr>
+        </p:nvSpPr>
+        <p:spPr/>
+        <p:txBody>
+          <a:bodyPr/>
+          <a:lstStyle/>
+          <a:p>
+            <a:fld id="{CCB04583-82FC-EB4C-9DD9-0626DE3C6BC2}" type="slidenum">
+              <a:rPr lang="en-GB" smtClean="0"/>
+              <a:t>13</a:t>
+            </a:fld>
+            <a:endParaRPr lang="en-GB"/>
+          </a:p>
+        </p:txBody>
+      </p:sp>
+    </p:spTree>
+    <p:extLst>
+      <p:ext uri="{BB962C8B-B14F-4D97-AF65-F5344CB8AC3E}">
+        <p14:creationId xmlns:p14="http://schemas.microsoft.com/office/powerpoint/2010/main" val="2326135563"/>
+      </p:ext>
+    </p:extLst>
+  </p:cSld>
+  <p:clrMapOvr>
+    <a:masterClrMapping/>
+  </p:clrMapOvr>
+</p:notes>
+</file>
+
+<file path=ppt/notesSlides/notesSlide11.xml><?xml version="1.0" encoding="utf-8"?>
+<p:notes xmlns:a="http://schemas.openxmlformats.org/drawingml/2006/main" xmlns:r="http://schemas.openxmlformats.org/officeDocument/2006/relationships" xmlns:p="http://schemas.openxmlformats.org/presentationml/2006/main">
+  <p:cSld>
+    <p:spTree>
+      <p:nvGrpSpPr>
+        <p:cNvPr id="1" name=""/>
+        <p:cNvGrpSpPr/>
+        <p:nvPr/>
+      </p:nvGrpSpPr>
+      <p:grpSpPr>
+        <a:xfrm>
+          <a:off x="0" y="0"/>
+          <a:ext cx="0" cy="0"/>
+          <a:chOff x="0" y="0"/>
+          <a:chExt cx="0" cy="0"/>
+        </a:xfrm>
+      </p:grpSpPr>
+      <p:sp>
+        <p:nvSpPr>
+          <p:cNvPr id="2" name="Slide Image Placeholder 1"/>
+          <p:cNvSpPr>
+            <a:spLocks noGrp="1" noRot="1" noChangeAspect="1"/>
+          </p:cNvSpPr>
+          <p:nvPr>
+            <p:ph type="sldImg"/>
+          </p:nvPr>
+        </p:nvSpPr>
+        <p:spPr/>
+      </p:sp>
+      <p:sp>
+        <p:nvSpPr>
+          <p:cNvPr id="3" name="Notes Placeholder 2"/>
+          <p:cNvSpPr>
+            <a:spLocks noGrp="1"/>
+          </p:cNvSpPr>
+          <p:nvPr>
+            <p:ph type="body" idx="1"/>
+          </p:nvPr>
+        </p:nvSpPr>
+        <p:spPr/>
+        <p:txBody>
+          <a:bodyPr/>
+          <a:lstStyle/>
+          <a:p>
+            <a:endParaRPr lang="en-GB" dirty="0"/>
+          </a:p>
+        </p:txBody>
+      </p:sp>
+      <p:sp>
+        <p:nvSpPr>
+          <p:cNvPr id="4" name="Slide Number Placeholder 3"/>
+          <p:cNvSpPr>
+            <a:spLocks noGrp="1"/>
+          </p:cNvSpPr>
+          <p:nvPr>
+            <p:ph type="sldNum" sz="quarter" idx="10"/>
+          </p:nvPr>
+        </p:nvSpPr>
+        <p:spPr/>
+        <p:txBody>
+          <a:bodyPr/>
+          <a:lstStyle/>
+          <a:p>
+            <a:fld id="{CCB04583-82FC-EB4C-9DD9-0626DE3C6BC2}" type="slidenum">
+              <a:rPr lang="en-GB" smtClean="0"/>
+              <a:t>14</a:t>
+            </a:fld>
+            <a:endParaRPr lang="en-GB"/>
+          </a:p>
+        </p:txBody>
+      </p:sp>
+    </p:spTree>
+    <p:extLst>
+      <p:ext uri="{BB962C8B-B14F-4D97-AF65-F5344CB8AC3E}">
+        <p14:creationId xmlns:p14="http://schemas.microsoft.com/office/powerpoint/2010/main" val="4025876153"/>
+      </p:ext>
+    </p:extLst>
+  </p:cSld>
+  <p:clrMapOvr>
+    <a:masterClrMapping/>
+  </p:clrMapOvr>
+</p:notes>
+</file>
+
+<file path=ppt/notesSlides/notesSlide12.xml><?xml version="1.0" encoding="utf-8"?>
+<p:notes xmlns:a="http://schemas.openxmlformats.org/drawingml/2006/main" xmlns:r="http://schemas.openxmlformats.org/officeDocument/2006/relationships" xmlns:p="http://schemas.openxmlformats.org/presentationml/2006/main">
+  <p:cSld>
+    <p:spTree>
+      <p:nvGrpSpPr>
+        <p:cNvPr id="1" name=""/>
+        <p:cNvGrpSpPr/>
+        <p:nvPr/>
+      </p:nvGrpSpPr>
+      <p:grpSpPr>
+        <a:xfrm>
+          <a:off x="0" y="0"/>
+          <a:ext cx="0" cy="0"/>
+          <a:chOff x="0" y="0"/>
+          <a:chExt cx="0" cy="0"/>
+        </a:xfrm>
+      </p:grpSpPr>
+      <p:sp>
+        <p:nvSpPr>
+          <p:cNvPr id="2" name="Slide Image Placeholder 1"/>
+          <p:cNvSpPr>
+            <a:spLocks noGrp="1" noRot="1" noChangeAspect="1"/>
+          </p:cNvSpPr>
+          <p:nvPr>
+            <p:ph type="sldImg"/>
+          </p:nvPr>
+        </p:nvSpPr>
+        <p:spPr/>
+      </p:sp>
+      <p:sp>
+        <p:nvSpPr>
+          <p:cNvPr id="3" name="Notes Placeholder 2"/>
+          <p:cNvSpPr>
+            <a:spLocks noGrp="1"/>
+          </p:cNvSpPr>
+          <p:nvPr>
+            <p:ph type="body" idx="1"/>
+          </p:nvPr>
+        </p:nvSpPr>
+        <p:spPr/>
+        <p:txBody>
+          <a:bodyPr/>
+          <a:lstStyle/>
+          <a:p>
+            <a:endParaRPr lang="en-GB" dirty="0"/>
+          </a:p>
+        </p:txBody>
+      </p:sp>
+      <p:sp>
+        <p:nvSpPr>
+          <p:cNvPr id="4" name="Slide Number Placeholder 3"/>
+          <p:cNvSpPr>
+            <a:spLocks noGrp="1"/>
+          </p:cNvSpPr>
+          <p:nvPr>
+            <p:ph type="sldNum" sz="quarter" idx="10"/>
+          </p:nvPr>
+        </p:nvSpPr>
+        <p:spPr/>
+        <p:txBody>
+          <a:bodyPr/>
+          <a:lstStyle/>
+          <a:p>
+            <a:fld id="{CCB04583-82FC-EB4C-9DD9-0626DE3C6BC2}" type="slidenum">
+              <a:rPr lang="en-GB" smtClean="0"/>
+              <a:t>15</a:t>
+            </a:fld>
+            <a:endParaRPr lang="en-GB"/>
+          </a:p>
+        </p:txBody>
+      </p:sp>
+    </p:spTree>
+    <p:extLst>
+      <p:ext uri="{BB962C8B-B14F-4D97-AF65-F5344CB8AC3E}">
+        <p14:creationId xmlns:p14="http://schemas.microsoft.com/office/powerpoint/2010/main" val="1769449870"/>
+      </p:ext>
+    </p:extLst>
+  </p:cSld>
+  <p:clrMapOvr>
+    <a:masterClrMapping/>
+  </p:clrMapOvr>
+</p:notes>
+</file>
+
+<file path=ppt/notesSlides/notesSlide13.xml><?xml version="1.0" encoding="utf-8"?>
+<p:notes xmlns:a="http://schemas.openxmlformats.org/drawingml/2006/main" xmlns:r="http://schemas.openxmlformats.org/officeDocument/2006/relationships" xmlns:p="http://schemas.openxmlformats.org/presentationml/2006/main">
+  <p:cSld>
+    <p:spTree>
+      <p:nvGrpSpPr>
+        <p:cNvPr id="1" name=""/>
+        <p:cNvGrpSpPr/>
+        <p:nvPr/>
+      </p:nvGrpSpPr>
+      <p:grpSpPr>
+        <a:xfrm>
+          <a:off x="0" y="0"/>
+          <a:ext cx="0" cy="0"/>
+          <a:chOff x="0" y="0"/>
+          <a:chExt cx="0" cy="0"/>
+        </a:xfrm>
+      </p:grpSpPr>
+      <p:sp>
+        <p:nvSpPr>
+          <p:cNvPr id="2" name="Slide Image Placeholder 1"/>
+          <p:cNvSpPr>
+            <a:spLocks noGrp="1" noRot="1" noChangeAspect="1"/>
+          </p:cNvSpPr>
+          <p:nvPr>
+            <p:ph type="sldImg"/>
+          </p:nvPr>
+        </p:nvSpPr>
+        <p:spPr/>
+      </p:sp>
+      <p:sp>
+        <p:nvSpPr>
+          <p:cNvPr id="3" name="Notes Placeholder 2"/>
+          <p:cNvSpPr>
+            <a:spLocks noGrp="1"/>
+          </p:cNvSpPr>
+          <p:nvPr>
+            <p:ph type="body" idx="1"/>
+          </p:nvPr>
+        </p:nvSpPr>
+        <p:spPr/>
+        <p:txBody>
+          <a:bodyPr/>
+          <a:lstStyle/>
+          <a:p>
+            <a:endParaRPr lang="en-GB" dirty="0"/>
+          </a:p>
+        </p:txBody>
+      </p:sp>
+      <p:sp>
+        <p:nvSpPr>
+          <p:cNvPr id="4" name="Slide Number Placeholder 3"/>
+          <p:cNvSpPr>
+            <a:spLocks noGrp="1"/>
+          </p:cNvSpPr>
+          <p:nvPr>
+            <p:ph type="sldNum" sz="quarter" idx="10"/>
+          </p:nvPr>
+        </p:nvSpPr>
+        <p:spPr/>
+        <p:txBody>
+          <a:bodyPr/>
+          <a:lstStyle/>
+          <a:p>
+            <a:fld id="{CCB04583-82FC-EB4C-9DD9-0626DE3C6BC2}" type="slidenum">
+              <a:rPr lang="en-GB" smtClean="0"/>
+              <a:t>16</a:t>
+            </a:fld>
+            <a:endParaRPr lang="en-GB"/>
+          </a:p>
+        </p:txBody>
+      </p:sp>
+    </p:spTree>
+    <p:extLst>
+      <p:ext uri="{BB962C8B-B14F-4D97-AF65-F5344CB8AC3E}">
+        <p14:creationId xmlns:p14="http://schemas.microsoft.com/office/powerpoint/2010/main" val="2397368125"/>
+      </p:ext>
+    </p:extLst>
+  </p:cSld>
+  <p:clrMapOvr>
+    <a:masterClrMapping/>
+  </p:clrMapOvr>
+</p:notes>
+</file>
+
 <file path=ppt/notesSlides/notesSlide2.xml><?xml version="1.0" encoding="utf-8"?>
 <p:notes xmlns:a="http://schemas.openxmlformats.org/drawingml/2006/main" xmlns:r="http://schemas.openxmlformats.org/officeDocument/2006/relationships" xmlns:p="http://schemas.openxmlformats.org/presentationml/2006/main">
   <p:cSld>
@@ -1993,6 +2336,258 @@
     <p:extLst>
       <p:ext uri="{BB962C8B-B14F-4D97-AF65-F5344CB8AC3E}">
         <p14:creationId xmlns:p14="http://schemas.microsoft.com/office/powerpoint/2010/main" val="1541303431"/>
+      </p:ext>
+    </p:extLst>
+  </p:cSld>
+  <p:clrMapOvr>
+    <a:masterClrMapping/>
+  </p:clrMapOvr>
+</p:notes>
+</file>
+
+<file path=ppt/notesSlides/notesSlide7.xml><?xml version="1.0" encoding="utf-8"?>
+<p:notes xmlns:a="http://schemas.openxmlformats.org/drawingml/2006/main" xmlns:r="http://schemas.openxmlformats.org/officeDocument/2006/relationships" xmlns:p="http://schemas.openxmlformats.org/presentationml/2006/main">
+  <p:cSld>
+    <p:spTree>
+      <p:nvGrpSpPr>
+        <p:cNvPr id="1" name=""/>
+        <p:cNvGrpSpPr/>
+        <p:nvPr/>
+      </p:nvGrpSpPr>
+      <p:grpSpPr>
+        <a:xfrm>
+          <a:off x="0" y="0"/>
+          <a:ext cx="0" cy="0"/>
+          <a:chOff x="0" y="0"/>
+          <a:chExt cx="0" cy="0"/>
+        </a:xfrm>
+      </p:grpSpPr>
+      <p:sp>
+        <p:nvSpPr>
+          <p:cNvPr id="2" name="Slide Image Placeholder 1"/>
+          <p:cNvSpPr>
+            <a:spLocks noGrp="1" noRot="1" noChangeAspect="1"/>
+          </p:cNvSpPr>
+          <p:nvPr>
+            <p:ph type="sldImg"/>
+          </p:nvPr>
+        </p:nvSpPr>
+        <p:spPr/>
+      </p:sp>
+      <p:sp>
+        <p:nvSpPr>
+          <p:cNvPr id="3" name="Notes Placeholder 2"/>
+          <p:cNvSpPr>
+            <a:spLocks noGrp="1"/>
+          </p:cNvSpPr>
+          <p:nvPr>
+            <p:ph type="body" idx="1"/>
+          </p:nvPr>
+        </p:nvSpPr>
+        <p:spPr/>
+        <p:txBody>
+          <a:bodyPr/>
+          <a:lstStyle/>
+          <a:p>
+            <a:endParaRPr lang="en-GB" dirty="0"/>
+          </a:p>
+        </p:txBody>
+      </p:sp>
+      <p:sp>
+        <p:nvSpPr>
+          <p:cNvPr id="4" name="Slide Number Placeholder 3"/>
+          <p:cNvSpPr>
+            <a:spLocks noGrp="1"/>
+          </p:cNvSpPr>
+          <p:nvPr>
+            <p:ph type="sldNum" sz="quarter" idx="10"/>
+          </p:nvPr>
+        </p:nvSpPr>
+        <p:spPr/>
+        <p:txBody>
+          <a:bodyPr/>
+          <a:lstStyle/>
+          <a:p>
+            <a:fld id="{CCB04583-82FC-EB4C-9DD9-0626DE3C6BC2}" type="slidenum">
+              <a:rPr lang="en-GB" smtClean="0"/>
+              <a:t>10</a:t>
+            </a:fld>
+            <a:endParaRPr lang="en-GB"/>
+          </a:p>
+        </p:txBody>
+      </p:sp>
+    </p:spTree>
+    <p:extLst>
+      <p:ext uri="{BB962C8B-B14F-4D97-AF65-F5344CB8AC3E}">
+        <p14:creationId xmlns:p14="http://schemas.microsoft.com/office/powerpoint/2010/main" val="3697197174"/>
+      </p:ext>
+    </p:extLst>
+  </p:cSld>
+  <p:clrMapOvr>
+    <a:masterClrMapping/>
+  </p:clrMapOvr>
+</p:notes>
+</file>
+
+<file path=ppt/notesSlides/notesSlide8.xml><?xml version="1.0" encoding="utf-8"?>
+<p:notes xmlns:a="http://schemas.openxmlformats.org/drawingml/2006/main" xmlns:r="http://schemas.openxmlformats.org/officeDocument/2006/relationships" xmlns:p="http://schemas.openxmlformats.org/presentationml/2006/main">
+  <p:cSld>
+    <p:spTree>
+      <p:nvGrpSpPr>
+        <p:cNvPr id="1" name=""/>
+        <p:cNvGrpSpPr/>
+        <p:nvPr/>
+      </p:nvGrpSpPr>
+      <p:grpSpPr>
+        <a:xfrm>
+          <a:off x="0" y="0"/>
+          <a:ext cx="0" cy="0"/>
+          <a:chOff x="0" y="0"/>
+          <a:chExt cx="0" cy="0"/>
+        </a:xfrm>
+      </p:grpSpPr>
+      <p:sp>
+        <p:nvSpPr>
+          <p:cNvPr id="2" name="Slide Image Placeholder 1"/>
+          <p:cNvSpPr>
+            <a:spLocks noGrp="1" noRot="1" noChangeAspect="1"/>
+          </p:cNvSpPr>
+          <p:nvPr>
+            <p:ph type="sldImg"/>
+          </p:nvPr>
+        </p:nvSpPr>
+        <p:spPr/>
+      </p:sp>
+      <p:sp>
+        <p:nvSpPr>
+          <p:cNvPr id="3" name="Notes Placeholder 2"/>
+          <p:cNvSpPr>
+            <a:spLocks noGrp="1"/>
+          </p:cNvSpPr>
+          <p:nvPr>
+            <p:ph type="body" idx="1"/>
+          </p:nvPr>
+        </p:nvSpPr>
+        <p:spPr/>
+        <p:txBody>
+          <a:bodyPr/>
+          <a:lstStyle/>
+          <a:p>
+            <a:endParaRPr lang="en-GB" dirty="0"/>
+          </a:p>
+        </p:txBody>
+      </p:sp>
+      <p:sp>
+        <p:nvSpPr>
+          <p:cNvPr id="4" name="Slide Number Placeholder 3"/>
+          <p:cNvSpPr>
+            <a:spLocks noGrp="1"/>
+          </p:cNvSpPr>
+          <p:nvPr>
+            <p:ph type="sldNum" sz="quarter" idx="10"/>
+          </p:nvPr>
+        </p:nvSpPr>
+        <p:spPr/>
+        <p:txBody>
+          <a:bodyPr/>
+          <a:lstStyle/>
+          <a:p>
+            <a:fld id="{CCB04583-82FC-EB4C-9DD9-0626DE3C6BC2}" type="slidenum">
+              <a:rPr lang="en-GB" smtClean="0"/>
+              <a:t>11</a:t>
+            </a:fld>
+            <a:endParaRPr lang="en-GB"/>
+          </a:p>
+        </p:txBody>
+      </p:sp>
+    </p:spTree>
+    <p:extLst>
+      <p:ext uri="{BB962C8B-B14F-4D97-AF65-F5344CB8AC3E}">
+        <p14:creationId xmlns:p14="http://schemas.microsoft.com/office/powerpoint/2010/main" val="950442387"/>
+      </p:ext>
+    </p:extLst>
+  </p:cSld>
+  <p:clrMapOvr>
+    <a:masterClrMapping/>
+  </p:clrMapOvr>
+</p:notes>
+</file>
+
+<file path=ppt/notesSlides/notesSlide9.xml><?xml version="1.0" encoding="utf-8"?>
+<p:notes xmlns:a="http://schemas.openxmlformats.org/drawingml/2006/main" xmlns:r="http://schemas.openxmlformats.org/officeDocument/2006/relationships" xmlns:p="http://schemas.openxmlformats.org/presentationml/2006/main">
+  <p:cSld>
+    <p:spTree>
+      <p:nvGrpSpPr>
+        <p:cNvPr id="1" name=""/>
+        <p:cNvGrpSpPr/>
+        <p:nvPr/>
+      </p:nvGrpSpPr>
+      <p:grpSpPr>
+        <a:xfrm>
+          <a:off x="0" y="0"/>
+          <a:ext cx="0" cy="0"/>
+          <a:chOff x="0" y="0"/>
+          <a:chExt cx="0" cy="0"/>
+        </a:xfrm>
+      </p:grpSpPr>
+      <p:sp>
+        <p:nvSpPr>
+          <p:cNvPr id="2" name="Slide Image Placeholder 1"/>
+          <p:cNvSpPr>
+            <a:spLocks noGrp="1" noRot="1" noChangeAspect="1"/>
+          </p:cNvSpPr>
+          <p:nvPr>
+            <p:ph type="sldImg"/>
+          </p:nvPr>
+        </p:nvSpPr>
+        <p:spPr/>
+      </p:sp>
+      <p:sp>
+        <p:nvSpPr>
+          <p:cNvPr id="3" name="Notes Placeholder 2"/>
+          <p:cNvSpPr>
+            <a:spLocks noGrp="1"/>
+          </p:cNvSpPr>
+          <p:nvPr>
+            <p:ph type="body" idx="1"/>
+          </p:nvPr>
+        </p:nvSpPr>
+        <p:spPr/>
+        <p:txBody>
+          <a:bodyPr/>
+          <a:lstStyle/>
+          <a:p>
+            <a:endParaRPr lang="en-GB" dirty="0"/>
+          </a:p>
+        </p:txBody>
+      </p:sp>
+      <p:sp>
+        <p:nvSpPr>
+          <p:cNvPr id="4" name="Slide Number Placeholder 3"/>
+          <p:cNvSpPr>
+            <a:spLocks noGrp="1"/>
+          </p:cNvSpPr>
+          <p:nvPr>
+            <p:ph type="sldNum" sz="quarter" idx="10"/>
+          </p:nvPr>
+        </p:nvSpPr>
+        <p:spPr/>
+        <p:txBody>
+          <a:bodyPr/>
+          <a:lstStyle/>
+          <a:p>
+            <a:fld id="{CCB04583-82FC-EB4C-9DD9-0626DE3C6BC2}" type="slidenum">
+              <a:rPr lang="en-GB" smtClean="0"/>
+              <a:t>12</a:t>
+            </a:fld>
+            <a:endParaRPr lang="en-GB"/>
+          </a:p>
+        </p:txBody>
+      </p:sp>
+    </p:spTree>
+    <p:extLst>
+      <p:ext uri="{BB962C8B-B14F-4D97-AF65-F5344CB8AC3E}">
+        <p14:creationId xmlns:p14="http://schemas.microsoft.com/office/powerpoint/2010/main" val="1239317380"/>
       </p:ext>
     </p:extLst>
   </p:cSld>
@@ -2151,7 +2746,7 @@
           <a:p>
             <a:fld id="{5913FB77-D8DB-4AB9-8EA5-EE8C3B57A5E1}" type="datetimeFigureOut">
               <a:rPr lang="en-GB" smtClean="0"/>
-              <a:t>06/10/2021</a:t>
+              <a:t>07/10/2021</a:t>
             </a:fld>
             <a:endParaRPr lang="en-GB"/>
           </a:p>
@@ -2351,7 +2946,7 @@
           <a:p>
             <a:fld id="{5913FB77-D8DB-4AB9-8EA5-EE8C3B57A5E1}" type="datetimeFigureOut">
               <a:rPr lang="en-GB" smtClean="0"/>
-              <a:t>06/10/2021</a:t>
+              <a:t>07/10/2021</a:t>
             </a:fld>
             <a:endParaRPr lang="en-GB"/>
           </a:p>
@@ -2561,7 +3156,7 @@
           <a:p>
             <a:fld id="{5913FB77-D8DB-4AB9-8EA5-EE8C3B57A5E1}" type="datetimeFigureOut">
               <a:rPr lang="en-GB" smtClean="0"/>
-              <a:t>06/10/2021</a:t>
+              <a:t>07/10/2021</a:t>
             </a:fld>
             <a:endParaRPr lang="en-GB"/>
           </a:p>
@@ -2761,7 +3356,7 @@
           <a:p>
             <a:fld id="{5913FB77-D8DB-4AB9-8EA5-EE8C3B57A5E1}" type="datetimeFigureOut">
               <a:rPr lang="en-GB" smtClean="0"/>
-              <a:t>06/10/2021</a:t>
+              <a:t>07/10/2021</a:t>
             </a:fld>
             <a:endParaRPr lang="en-GB"/>
           </a:p>
@@ -3037,7 +3632,7 @@
           <a:p>
             <a:fld id="{5913FB77-D8DB-4AB9-8EA5-EE8C3B57A5E1}" type="datetimeFigureOut">
               <a:rPr lang="en-GB" smtClean="0"/>
-              <a:t>06/10/2021</a:t>
+              <a:t>07/10/2021</a:t>
             </a:fld>
             <a:endParaRPr lang="en-GB"/>
           </a:p>
@@ -3305,7 +3900,7 @@
           <a:p>
             <a:fld id="{5913FB77-D8DB-4AB9-8EA5-EE8C3B57A5E1}" type="datetimeFigureOut">
               <a:rPr lang="en-GB" smtClean="0"/>
-              <a:t>06/10/2021</a:t>
+              <a:t>07/10/2021</a:t>
             </a:fld>
             <a:endParaRPr lang="en-GB"/>
           </a:p>
@@ -3720,7 +4315,7 @@
           <a:p>
             <a:fld id="{5913FB77-D8DB-4AB9-8EA5-EE8C3B57A5E1}" type="datetimeFigureOut">
               <a:rPr lang="en-GB" smtClean="0"/>
-              <a:t>06/10/2021</a:t>
+              <a:t>07/10/2021</a:t>
             </a:fld>
             <a:endParaRPr lang="en-GB"/>
           </a:p>
@@ -3862,7 +4457,7 @@
           <a:p>
             <a:fld id="{5913FB77-D8DB-4AB9-8EA5-EE8C3B57A5E1}" type="datetimeFigureOut">
               <a:rPr lang="en-GB" smtClean="0"/>
-              <a:t>06/10/2021</a:t>
+              <a:t>07/10/2021</a:t>
             </a:fld>
             <a:endParaRPr lang="en-GB"/>
           </a:p>
@@ -3975,7 +4570,7 @@
           <a:p>
             <a:fld id="{5913FB77-D8DB-4AB9-8EA5-EE8C3B57A5E1}" type="datetimeFigureOut">
               <a:rPr lang="en-GB" smtClean="0"/>
-              <a:t>06/10/2021</a:t>
+              <a:t>07/10/2021</a:t>
             </a:fld>
             <a:endParaRPr lang="en-GB"/>
           </a:p>
@@ -4288,7 +4883,7 @@
           <a:p>
             <a:fld id="{5913FB77-D8DB-4AB9-8EA5-EE8C3B57A5E1}" type="datetimeFigureOut">
               <a:rPr lang="en-GB" smtClean="0"/>
-              <a:t>06/10/2021</a:t>
+              <a:t>07/10/2021</a:t>
             </a:fld>
             <a:endParaRPr lang="en-GB"/>
           </a:p>
@@ -4577,7 +5172,7 @@
           <a:p>
             <a:fld id="{5913FB77-D8DB-4AB9-8EA5-EE8C3B57A5E1}" type="datetimeFigureOut">
               <a:rPr lang="en-GB" smtClean="0"/>
-              <a:t>06/10/2021</a:t>
+              <a:t>07/10/2021</a:t>
             </a:fld>
             <a:endParaRPr lang="en-GB"/>
           </a:p>
@@ -4820,7 +5415,7 @@
           <a:p>
             <a:fld id="{5913FB77-D8DB-4AB9-8EA5-EE8C3B57A5E1}" type="datetimeFigureOut">
               <a:rPr lang="en-GB" smtClean="0"/>
-              <a:t>06/10/2021</a:t>
+              <a:t>07/10/2021</a:t>
             </a:fld>
             <a:endParaRPr lang="en-GB"/>
           </a:p>
@@ -5415,7 +6010,7 @@
           <a:lstStyle/>
           <a:p>
             <a:pPr algn="ctr"/>
-            <a:endParaRPr lang="en-GB"/>
+            <a:endParaRPr lang="en-GB" dirty="0"/>
           </a:p>
         </p:txBody>
       </p:sp>
@@ -5456,6 +6051,3483 @@
           <a:chExt cx="0" cy="0"/>
         </a:xfrm>
       </p:grpSpPr>
+      <p:pic>
+        <p:nvPicPr>
+          <p:cNvPr id="8" name="Picture 2" descr="Ed_DaSH">
+            <a:extLst>
+              <a:ext uri="{FF2B5EF4-FFF2-40B4-BE49-F238E27FC236}">
+                <a16:creationId xmlns:a16="http://schemas.microsoft.com/office/drawing/2014/main" id="{A783256F-E39E-4712-96B0-240BD611CFEB}"/>
+              </a:ext>
+            </a:extLst>
+          </p:cNvPr>
+          <p:cNvPicPr>
+            <a:picLocks noChangeAspect="1" noChangeArrowheads="1"/>
+          </p:cNvPicPr>
+          <p:nvPr/>
+        </p:nvPicPr>
+        <p:blipFill>
+          <a:blip r:embed="rId3" cstate="hqprint">
+            <a:extLst>
+              <a:ext uri="{28A0092B-C50C-407E-A947-70E740481C1C}">
+                <a14:useLocalDpi xmlns:a14="http://schemas.microsoft.com/office/drawing/2010/main" val="0"/>
+              </a:ext>
+            </a:extLst>
+          </a:blip>
+          <a:srcRect/>
+          <a:stretch>
+            <a:fillRect/>
+          </a:stretch>
+        </p:blipFill>
+        <p:spPr bwMode="auto">
+          <a:xfrm>
+            <a:off x="10820670" y="5458691"/>
+            <a:ext cx="1289214" cy="1325418"/>
+          </a:xfrm>
+          <a:prstGeom prst="rect">
+            <a:avLst/>
+          </a:prstGeom>
+          <a:noFill/>
+          <a:extLst>
+            <a:ext uri="{909E8E84-426E-40DD-AFC4-6F175D3DCCD1}">
+              <a14:hiddenFill xmlns:a14="http://schemas.microsoft.com/office/drawing/2010/main">
+                <a:solidFill>
+                  <a:srgbClr val="FFFFFF"/>
+                </a:solidFill>
+              </a14:hiddenFill>
+            </a:ext>
+          </a:extLst>
+        </p:spPr>
+      </p:pic>
+      <p:sp>
+        <p:nvSpPr>
+          <p:cNvPr id="4" name="TextBox 3">
+            <a:extLst>
+              <a:ext uri="{FF2B5EF4-FFF2-40B4-BE49-F238E27FC236}">
+                <a16:creationId xmlns:a16="http://schemas.microsoft.com/office/drawing/2014/main" id="{EE6143B8-875F-4DCA-8787-95D765751952}"/>
+              </a:ext>
+            </a:extLst>
+          </p:cNvPr>
+          <p:cNvSpPr txBox="1"/>
+          <p:nvPr/>
+        </p:nvSpPr>
+        <p:spPr>
+          <a:xfrm>
+            <a:off x="597382" y="240994"/>
+            <a:ext cx="11368830" cy="646331"/>
+          </a:xfrm>
+          <a:prstGeom prst="rect">
+            <a:avLst/>
+          </a:prstGeom>
+          <a:noFill/>
+        </p:spPr>
+        <p:txBody>
+          <a:bodyPr wrap="square">
+            <a:spAutoFit/>
+          </a:bodyPr>
+          <a:lstStyle/>
+          <a:p>
+            <a:r>
+              <a:rPr lang="en-GB" sz="3600" dirty="0">
+                <a:solidFill>
+                  <a:srgbClr val="0070C0"/>
+                </a:solidFill>
+              </a:rPr>
+              <a:t>D</a:t>
+            </a:r>
+            <a:r>
+              <a:rPr lang="en-GB" sz="3600" dirty="0" smtClean="0">
+                <a:solidFill>
+                  <a:srgbClr val="0070C0"/>
+                </a:solidFill>
+              </a:rPr>
+              <a:t>isambiguation</a:t>
+            </a:r>
+            <a:endParaRPr lang="en-GB" sz="3600" dirty="0">
+              <a:solidFill>
+                <a:srgbClr val="0070C0"/>
+              </a:solidFill>
+            </a:endParaRPr>
+          </a:p>
+        </p:txBody>
+      </p:sp>
+      <p:sp>
+        <p:nvSpPr>
+          <p:cNvPr id="7" name="TextBox 6">
+            <a:extLst>
+              <a:ext uri="{FF2B5EF4-FFF2-40B4-BE49-F238E27FC236}">
+                <a16:creationId xmlns:a16="http://schemas.microsoft.com/office/drawing/2014/main" id="{280516E9-127E-E84A-BC30-0B68C3087BD7}"/>
+              </a:ext>
+            </a:extLst>
+          </p:cNvPr>
+          <p:cNvSpPr txBox="1"/>
+          <p:nvPr/>
+        </p:nvSpPr>
+        <p:spPr>
+          <a:xfrm>
+            <a:off x="935641" y="1300577"/>
+            <a:ext cx="9993197" cy="3477875"/>
+          </a:xfrm>
+          <a:prstGeom prst="rect">
+            <a:avLst/>
+          </a:prstGeom>
+          <a:noFill/>
+        </p:spPr>
+        <p:txBody>
+          <a:bodyPr wrap="square">
+            <a:spAutoFit/>
+          </a:bodyPr>
+          <a:lstStyle/>
+          <a:p>
+            <a:endParaRPr lang="en-GB" sz="2000" dirty="0">
+              <a:solidFill>
+                <a:srgbClr val="0070C0"/>
+              </a:solidFill>
+              <a:latin typeface="Ubuntu"/>
+            </a:endParaRPr>
+          </a:p>
+          <a:p>
+            <a:pPr marL="342900" indent="-342900">
+              <a:buFont typeface="Arial" panose="020B0604020202020204" pitchFamily="34" charset="0"/>
+              <a:buChar char="•"/>
+            </a:pPr>
+            <a:r>
+              <a:rPr lang="en-GB" sz="2000" dirty="0">
+                <a:solidFill>
+                  <a:srgbClr val="0070C0"/>
+                </a:solidFill>
+                <a:latin typeface="Ubuntu"/>
+              </a:rPr>
+              <a:t>Escherichia </a:t>
+            </a:r>
+            <a:r>
+              <a:rPr lang="en-GB" sz="2000" dirty="0" smtClean="0">
+                <a:solidFill>
+                  <a:srgbClr val="0070C0"/>
+                </a:solidFill>
+                <a:latin typeface="Ubuntu"/>
+              </a:rPr>
+              <a:t>coli</a:t>
+            </a:r>
+            <a:endParaRPr lang="pl-PL" sz="2000" dirty="0">
+              <a:solidFill>
+                <a:srgbClr val="0070C0"/>
+              </a:solidFill>
+              <a:latin typeface="Ubuntu"/>
+            </a:endParaRPr>
+          </a:p>
+          <a:p>
+            <a:pPr marL="342900" indent="-342900">
+              <a:buFont typeface="Arial" panose="020B0604020202020204" pitchFamily="34" charset="0"/>
+              <a:buChar char="•"/>
+            </a:pPr>
+            <a:r>
+              <a:rPr lang="pl-PL" sz="2000" dirty="0" smtClean="0">
+                <a:solidFill>
+                  <a:srgbClr val="0070C0"/>
+                </a:solidFill>
+                <a:latin typeface="Ubuntu"/>
+              </a:rPr>
+              <a:t>EColi</a:t>
+            </a:r>
+          </a:p>
+          <a:p>
+            <a:pPr marL="342900" indent="-342900">
+              <a:buFont typeface="Arial" panose="020B0604020202020204" pitchFamily="34" charset="0"/>
+              <a:buChar char="•"/>
+            </a:pPr>
+            <a:r>
+              <a:rPr lang="pl-PL" sz="2000" dirty="0" smtClean="0">
+                <a:solidFill>
+                  <a:srgbClr val="0070C0"/>
+                </a:solidFill>
+                <a:latin typeface="Ubuntu"/>
+              </a:rPr>
+              <a:t>E. coli</a:t>
+            </a:r>
+          </a:p>
+          <a:p>
+            <a:pPr marL="342900" indent="-342900">
+              <a:buFont typeface="Arial" panose="020B0604020202020204" pitchFamily="34" charset="0"/>
+              <a:buChar char="•"/>
+            </a:pPr>
+            <a:r>
+              <a:rPr lang="pl-PL" sz="2000" dirty="0" smtClean="0">
+                <a:solidFill>
+                  <a:srgbClr val="0070C0"/>
+                </a:solidFill>
+                <a:latin typeface="Ubuntu"/>
+              </a:rPr>
+              <a:t>E. Coli</a:t>
+            </a:r>
+            <a:r>
+              <a:rPr lang="pl-PL" sz="2000" dirty="0" smtClean="0">
+                <a:solidFill>
+                  <a:srgbClr val="0070C0"/>
+                </a:solidFill>
+                <a:latin typeface="Ubuntu"/>
+              </a:rPr>
+              <a:t/>
+            </a:r>
+            <a:br>
+              <a:rPr lang="pl-PL" sz="2000" dirty="0" smtClean="0">
+                <a:solidFill>
+                  <a:srgbClr val="0070C0"/>
+                </a:solidFill>
+                <a:latin typeface="Ubuntu"/>
+              </a:rPr>
+            </a:br>
+            <a:endParaRPr lang="pl-PL" sz="2000" dirty="0" smtClean="0">
+              <a:solidFill>
+                <a:srgbClr val="0070C0"/>
+              </a:solidFill>
+              <a:latin typeface="Ubuntu"/>
+            </a:endParaRPr>
+          </a:p>
+          <a:p>
+            <a:pPr marL="342900" indent="-342900">
+              <a:buFont typeface="Arial" panose="020B0604020202020204" pitchFamily="34" charset="0"/>
+              <a:buChar char="•"/>
+            </a:pPr>
+            <a:r>
+              <a:rPr lang="pl-PL" sz="2000" dirty="0">
+                <a:solidFill>
+                  <a:srgbClr val="0070C0"/>
+                </a:solidFill>
+                <a:latin typeface="Ubuntu"/>
+              </a:rPr>
+              <a:t>Kanamycin </a:t>
+            </a:r>
+            <a:r>
+              <a:rPr lang="pl-PL" sz="2000" dirty="0" smtClean="0">
+                <a:solidFill>
+                  <a:srgbClr val="0070C0"/>
+                </a:solidFill>
+                <a:latin typeface="Ubuntu"/>
+              </a:rPr>
+              <a:t>A</a:t>
+            </a:r>
+          </a:p>
+          <a:p>
+            <a:pPr marL="342900" indent="-342900">
+              <a:buFont typeface="Arial" panose="020B0604020202020204" pitchFamily="34" charset="0"/>
+              <a:buChar char="•"/>
+            </a:pPr>
+            <a:r>
+              <a:rPr lang="pl-PL" sz="2000" dirty="0" smtClean="0">
+                <a:solidFill>
+                  <a:srgbClr val="0070C0"/>
+                </a:solidFill>
+                <a:latin typeface="Ubuntu"/>
+              </a:rPr>
+              <a:t>Kanamycin</a:t>
+            </a:r>
+          </a:p>
+          <a:p>
+            <a:pPr marL="342900" indent="-342900">
+              <a:buFont typeface="Arial" panose="020B0604020202020204" pitchFamily="34" charset="0"/>
+              <a:buChar char="•"/>
+            </a:pPr>
+            <a:r>
+              <a:rPr lang="pl-PL" sz="2000" dirty="0" smtClean="0">
+                <a:solidFill>
+                  <a:srgbClr val="0070C0"/>
+                </a:solidFill>
+                <a:latin typeface="Ubuntu"/>
+              </a:rPr>
+              <a:t>Kanam.</a:t>
+            </a:r>
+          </a:p>
+          <a:p>
+            <a:pPr marL="342900" indent="-342900">
+              <a:buFont typeface="Arial" panose="020B0604020202020204" pitchFamily="34" charset="0"/>
+              <a:buChar char="•"/>
+            </a:pPr>
+            <a:r>
+              <a:rPr lang="pl-PL" sz="2000" dirty="0" smtClean="0">
+                <a:solidFill>
+                  <a:srgbClr val="0070C0"/>
+                </a:solidFill>
+                <a:latin typeface="Ubuntu"/>
+              </a:rPr>
+              <a:t>Kan. </a:t>
+            </a:r>
+            <a:r>
+              <a:rPr lang="pl-PL" sz="2000" dirty="0">
+                <a:solidFill>
+                  <a:srgbClr val="0070C0"/>
+                </a:solidFill>
+                <a:latin typeface="Ubuntu"/>
+              </a:rPr>
+              <a:t>	</a:t>
+            </a:r>
+            <a:br>
+              <a:rPr lang="pl-PL" sz="2000" dirty="0">
+                <a:solidFill>
+                  <a:srgbClr val="0070C0"/>
+                </a:solidFill>
+                <a:latin typeface="Ubuntu"/>
+              </a:rPr>
+            </a:br>
+            <a:r>
+              <a:rPr lang="pl-PL" sz="2000" dirty="0" smtClean="0">
+                <a:solidFill>
+                  <a:srgbClr val="0070C0"/>
+                </a:solidFill>
+                <a:latin typeface="Ubuntu"/>
+              </a:rPr>
+              <a:t> </a:t>
+            </a:r>
+            <a:endParaRPr lang="en-GB" sz="2000" b="0" i="0" dirty="0">
+              <a:solidFill>
+                <a:srgbClr val="0070C0"/>
+              </a:solidFill>
+              <a:effectLst/>
+              <a:latin typeface="Ubuntu"/>
+            </a:endParaRPr>
+          </a:p>
+        </p:txBody>
+      </p:sp>
+    </p:spTree>
+    <p:extLst>
+      <p:ext uri="{BB962C8B-B14F-4D97-AF65-F5344CB8AC3E}">
+        <p14:creationId xmlns:p14="http://schemas.microsoft.com/office/powerpoint/2010/main" val="3043273587"/>
+      </p:ext>
+    </p:extLst>
+  </p:cSld>
+  <p:clrMapOvr>
+    <a:masterClrMapping/>
+  </p:clrMapOvr>
+</p:sld>
+</file>
+
+<file path=ppt/slides/slide11.xml><?xml version="1.0" encoding="utf-8"?>
+<p:sld xmlns:a="http://schemas.openxmlformats.org/drawingml/2006/main" xmlns:r="http://schemas.openxmlformats.org/officeDocument/2006/relationships" xmlns:p="http://schemas.openxmlformats.org/presentationml/2006/main">
+  <p:cSld>
+    <p:spTree>
+      <p:nvGrpSpPr>
+        <p:cNvPr id="1" name=""/>
+        <p:cNvGrpSpPr/>
+        <p:nvPr/>
+      </p:nvGrpSpPr>
+      <p:grpSpPr>
+        <a:xfrm>
+          <a:off x="0" y="0"/>
+          <a:ext cx="0" cy="0"/>
+          <a:chOff x="0" y="0"/>
+          <a:chExt cx="0" cy="0"/>
+        </a:xfrm>
+      </p:grpSpPr>
+      <p:pic>
+        <p:nvPicPr>
+          <p:cNvPr id="8" name="Picture 2" descr="Ed_DaSH">
+            <a:extLst>
+              <a:ext uri="{FF2B5EF4-FFF2-40B4-BE49-F238E27FC236}">
+                <a16:creationId xmlns:a16="http://schemas.microsoft.com/office/drawing/2014/main" id="{A783256F-E39E-4712-96B0-240BD611CFEB}"/>
+              </a:ext>
+            </a:extLst>
+          </p:cNvPr>
+          <p:cNvPicPr>
+            <a:picLocks noChangeAspect="1" noChangeArrowheads="1"/>
+          </p:cNvPicPr>
+          <p:nvPr/>
+        </p:nvPicPr>
+        <p:blipFill>
+          <a:blip r:embed="rId3" cstate="hqprint">
+            <a:extLst>
+              <a:ext uri="{28A0092B-C50C-407E-A947-70E740481C1C}">
+                <a14:useLocalDpi xmlns:a14="http://schemas.microsoft.com/office/drawing/2010/main" val="0"/>
+              </a:ext>
+            </a:extLst>
+          </a:blip>
+          <a:srcRect/>
+          <a:stretch>
+            <a:fillRect/>
+          </a:stretch>
+        </p:blipFill>
+        <p:spPr bwMode="auto">
+          <a:xfrm>
+            <a:off x="10820670" y="5458691"/>
+            <a:ext cx="1289214" cy="1325418"/>
+          </a:xfrm>
+          <a:prstGeom prst="rect">
+            <a:avLst/>
+          </a:prstGeom>
+          <a:noFill/>
+          <a:extLst>
+            <a:ext uri="{909E8E84-426E-40DD-AFC4-6F175D3DCCD1}">
+              <a14:hiddenFill xmlns:a14="http://schemas.microsoft.com/office/drawing/2010/main">
+                <a:solidFill>
+                  <a:srgbClr val="FFFFFF"/>
+                </a:solidFill>
+              </a14:hiddenFill>
+            </a:ext>
+          </a:extLst>
+        </p:spPr>
+      </p:pic>
+      <p:sp>
+        <p:nvSpPr>
+          <p:cNvPr id="4" name="TextBox 3">
+            <a:extLst>
+              <a:ext uri="{FF2B5EF4-FFF2-40B4-BE49-F238E27FC236}">
+                <a16:creationId xmlns:a16="http://schemas.microsoft.com/office/drawing/2014/main" id="{EE6143B8-875F-4DCA-8787-95D765751952}"/>
+              </a:ext>
+            </a:extLst>
+          </p:cNvPr>
+          <p:cNvSpPr txBox="1"/>
+          <p:nvPr/>
+        </p:nvSpPr>
+        <p:spPr>
+          <a:xfrm>
+            <a:off x="597382" y="240994"/>
+            <a:ext cx="11368830" cy="646331"/>
+          </a:xfrm>
+          <a:prstGeom prst="rect">
+            <a:avLst/>
+          </a:prstGeom>
+          <a:noFill/>
+        </p:spPr>
+        <p:txBody>
+          <a:bodyPr wrap="square">
+            <a:spAutoFit/>
+          </a:bodyPr>
+          <a:lstStyle/>
+          <a:p>
+            <a:r>
+              <a:rPr lang="en-GB" sz="3600" dirty="0" smtClean="0">
+                <a:solidFill>
+                  <a:srgbClr val="0070C0"/>
+                </a:solidFill>
+              </a:rPr>
+              <a:t>List of options == Controlled Vocabulary</a:t>
+            </a:r>
+            <a:endParaRPr lang="en-GB" sz="3600" dirty="0">
+              <a:solidFill>
+                <a:srgbClr val="0070C0"/>
+              </a:solidFill>
+            </a:endParaRPr>
+          </a:p>
+        </p:txBody>
+      </p:sp>
+      <p:pic>
+        <p:nvPicPr>
+          <p:cNvPr id="2" name="Picture 1"/>
+          <p:cNvPicPr>
+            <a:picLocks noChangeAspect="1"/>
+          </p:cNvPicPr>
+          <p:nvPr/>
+        </p:nvPicPr>
+        <p:blipFill>
+          <a:blip r:embed="rId4">
+            <a:extLst>
+              <a:ext uri="{28A0092B-C50C-407E-A947-70E740481C1C}">
+                <a14:useLocalDpi xmlns:a14="http://schemas.microsoft.com/office/drawing/2010/main" val="0"/>
+              </a:ext>
+            </a:extLst>
+          </a:blip>
+          <a:stretch>
+            <a:fillRect/>
+          </a:stretch>
+        </p:blipFill>
+        <p:spPr>
+          <a:xfrm>
+            <a:off x="427157" y="1198179"/>
+            <a:ext cx="5854640" cy="5491654"/>
+          </a:xfrm>
+          <a:prstGeom prst="rect">
+            <a:avLst/>
+          </a:prstGeom>
+        </p:spPr>
+      </p:pic>
+      <p:pic>
+        <p:nvPicPr>
+          <p:cNvPr id="3" name="Picture 2"/>
+          <p:cNvPicPr>
+            <a:picLocks noChangeAspect="1"/>
+          </p:cNvPicPr>
+          <p:nvPr/>
+        </p:nvPicPr>
+        <p:blipFill>
+          <a:blip r:embed="rId5">
+            <a:extLst>
+              <a:ext uri="{28A0092B-C50C-407E-A947-70E740481C1C}">
+                <a14:useLocalDpi xmlns:a14="http://schemas.microsoft.com/office/drawing/2010/main" val="0"/>
+              </a:ext>
+            </a:extLst>
+          </a:blip>
+          <a:stretch>
+            <a:fillRect/>
+          </a:stretch>
+        </p:blipFill>
+        <p:spPr>
+          <a:xfrm>
+            <a:off x="3626544" y="887325"/>
+            <a:ext cx="8070996" cy="5344510"/>
+          </a:xfrm>
+          <a:prstGeom prst="rect">
+            <a:avLst/>
+          </a:prstGeom>
+        </p:spPr>
+      </p:pic>
+    </p:spTree>
+    <p:extLst>
+      <p:ext uri="{BB962C8B-B14F-4D97-AF65-F5344CB8AC3E}">
+        <p14:creationId xmlns:p14="http://schemas.microsoft.com/office/powerpoint/2010/main" val="877041222"/>
+      </p:ext>
+    </p:extLst>
+  </p:cSld>
+  <p:clrMapOvr>
+    <a:masterClrMapping/>
+  </p:clrMapOvr>
+</p:sld>
+</file>
+
+<file path=ppt/slides/slide12.xml><?xml version="1.0" encoding="utf-8"?>
+<p:sld xmlns:a="http://schemas.openxmlformats.org/drawingml/2006/main" xmlns:r="http://schemas.openxmlformats.org/officeDocument/2006/relationships" xmlns:p="http://schemas.openxmlformats.org/presentationml/2006/main">
+  <p:cSld>
+    <p:spTree>
+      <p:nvGrpSpPr>
+        <p:cNvPr id="1" name=""/>
+        <p:cNvGrpSpPr/>
+        <p:nvPr/>
+      </p:nvGrpSpPr>
+      <p:grpSpPr>
+        <a:xfrm>
+          <a:off x="0" y="0"/>
+          <a:ext cx="0" cy="0"/>
+          <a:chOff x="0" y="0"/>
+          <a:chExt cx="0" cy="0"/>
+        </a:xfrm>
+      </p:grpSpPr>
+      <p:pic>
+        <p:nvPicPr>
+          <p:cNvPr id="8" name="Picture 2" descr="Ed_DaSH">
+            <a:extLst>
+              <a:ext uri="{FF2B5EF4-FFF2-40B4-BE49-F238E27FC236}">
+                <a16:creationId xmlns:a16="http://schemas.microsoft.com/office/drawing/2014/main" id="{A783256F-E39E-4712-96B0-240BD611CFEB}"/>
+              </a:ext>
+            </a:extLst>
+          </p:cNvPr>
+          <p:cNvPicPr>
+            <a:picLocks noChangeAspect="1" noChangeArrowheads="1"/>
+          </p:cNvPicPr>
+          <p:nvPr/>
+        </p:nvPicPr>
+        <p:blipFill>
+          <a:blip r:embed="rId3" cstate="hqprint">
+            <a:extLst>
+              <a:ext uri="{28A0092B-C50C-407E-A947-70E740481C1C}">
+                <a14:useLocalDpi xmlns:a14="http://schemas.microsoft.com/office/drawing/2010/main" val="0"/>
+              </a:ext>
+            </a:extLst>
+          </a:blip>
+          <a:srcRect/>
+          <a:stretch>
+            <a:fillRect/>
+          </a:stretch>
+        </p:blipFill>
+        <p:spPr bwMode="auto">
+          <a:xfrm>
+            <a:off x="10820670" y="5458691"/>
+            <a:ext cx="1289214" cy="1325418"/>
+          </a:xfrm>
+          <a:prstGeom prst="rect">
+            <a:avLst/>
+          </a:prstGeom>
+          <a:noFill/>
+          <a:extLst>
+            <a:ext uri="{909E8E84-426E-40DD-AFC4-6F175D3DCCD1}">
+              <a14:hiddenFill xmlns:a14="http://schemas.microsoft.com/office/drawing/2010/main">
+                <a:solidFill>
+                  <a:srgbClr val="FFFFFF"/>
+                </a:solidFill>
+              </a14:hiddenFill>
+            </a:ext>
+          </a:extLst>
+        </p:spPr>
+      </p:pic>
+      <p:sp>
+        <p:nvSpPr>
+          <p:cNvPr id="4" name="TextBox 3">
+            <a:extLst>
+              <a:ext uri="{FF2B5EF4-FFF2-40B4-BE49-F238E27FC236}">
+                <a16:creationId xmlns:a16="http://schemas.microsoft.com/office/drawing/2014/main" id="{EE6143B8-875F-4DCA-8787-95D765751952}"/>
+              </a:ext>
+            </a:extLst>
+          </p:cNvPr>
+          <p:cNvSpPr txBox="1"/>
+          <p:nvPr/>
+        </p:nvSpPr>
+        <p:spPr>
+          <a:xfrm>
+            <a:off x="597382" y="240994"/>
+            <a:ext cx="11368830" cy="646331"/>
+          </a:xfrm>
+          <a:prstGeom prst="rect">
+            <a:avLst/>
+          </a:prstGeom>
+          <a:noFill/>
+        </p:spPr>
+        <p:txBody>
+          <a:bodyPr wrap="square">
+            <a:spAutoFit/>
+          </a:bodyPr>
+          <a:lstStyle/>
+          <a:p>
+            <a:r>
+              <a:rPr lang="en-GB" sz="3600" dirty="0" smtClean="0">
+                <a:solidFill>
+                  <a:srgbClr val="0070C0"/>
+                </a:solidFill>
+              </a:rPr>
+              <a:t>Controlled Vocabulary</a:t>
+            </a:r>
+            <a:endParaRPr lang="en-GB" sz="3600" dirty="0">
+              <a:solidFill>
+                <a:srgbClr val="0070C0"/>
+              </a:solidFill>
+            </a:endParaRPr>
+          </a:p>
+        </p:txBody>
+      </p:sp>
+      <p:sp>
+        <p:nvSpPr>
+          <p:cNvPr id="5" name="Rectangle 4"/>
+          <p:cNvSpPr/>
+          <p:nvPr/>
+        </p:nvSpPr>
+        <p:spPr>
+          <a:xfrm>
+            <a:off x="3381829" y="1424539"/>
+            <a:ext cx="2590800" cy="4114800"/>
+          </a:xfrm>
+          <a:prstGeom prst="rect">
+            <a:avLst/>
+          </a:prstGeom>
+          <a:noFill/>
+          <a:ln>
+            <a:noFill/>
+          </a:ln>
+          <a:effectLst>
+            <a:outerShdw blurRad="50800" dist="38100" dir="2700000" algn="tl" rotWithShape="0">
+              <a:srgbClr val="000000">
+                <a:alpha val="43000"/>
+              </a:srgbClr>
+            </a:outerShdw>
+          </a:effectLst>
+        </p:spPr>
+        <p:style>
+          <a:lnRef idx="1">
+            <a:schemeClr val="accent1"/>
+          </a:lnRef>
+          <a:fillRef idx="3">
+            <a:schemeClr val="accent1"/>
+          </a:fillRef>
+          <a:effectRef idx="2">
+            <a:schemeClr val="accent1"/>
+          </a:effectRef>
+          <a:fontRef idx="minor">
+            <a:schemeClr val="lt1"/>
+          </a:fontRef>
+        </p:style>
+        <p:txBody>
+          <a:bodyPr rtlCol="0" anchor="ctr"/>
+          <a:lstStyle/>
+          <a:p>
+            <a:pPr algn="ctr"/>
+            <a:endParaRPr lang="en-US">
+              <a:solidFill>
+                <a:srgbClr val="0070C0"/>
+              </a:solidFill>
+            </a:endParaRPr>
+          </a:p>
+        </p:txBody>
+      </p:sp>
+      <p:sp>
+        <p:nvSpPr>
+          <p:cNvPr id="6" name="Rectangle 5"/>
+          <p:cNvSpPr/>
+          <p:nvPr/>
+        </p:nvSpPr>
+        <p:spPr>
+          <a:xfrm>
+            <a:off x="638629" y="1424539"/>
+            <a:ext cx="2590800" cy="4114800"/>
+          </a:xfrm>
+          <a:prstGeom prst="rect">
+            <a:avLst/>
+          </a:prstGeom>
+          <a:noFill/>
+          <a:ln>
+            <a:noFill/>
+          </a:ln>
+          <a:effectLst>
+            <a:outerShdw blurRad="50800" dist="38100" dir="2700000" algn="tl" rotWithShape="0">
+              <a:srgbClr val="000000">
+                <a:alpha val="43000"/>
+              </a:srgbClr>
+            </a:outerShdw>
+          </a:effectLst>
+        </p:spPr>
+        <p:style>
+          <a:lnRef idx="1">
+            <a:schemeClr val="accent1"/>
+          </a:lnRef>
+          <a:fillRef idx="3">
+            <a:schemeClr val="accent1"/>
+          </a:fillRef>
+          <a:effectRef idx="2">
+            <a:schemeClr val="accent1"/>
+          </a:effectRef>
+          <a:fontRef idx="minor">
+            <a:schemeClr val="lt1"/>
+          </a:fontRef>
+        </p:style>
+        <p:txBody>
+          <a:bodyPr rtlCol="0" anchor="ctr"/>
+          <a:lstStyle/>
+          <a:p>
+            <a:pPr algn="ctr"/>
+            <a:endParaRPr lang="en-US">
+              <a:solidFill>
+                <a:srgbClr val="0070C0"/>
+              </a:solidFill>
+            </a:endParaRPr>
+          </a:p>
+        </p:txBody>
+      </p:sp>
+      <p:sp>
+        <p:nvSpPr>
+          <p:cNvPr id="9" name="Rectangle 8"/>
+          <p:cNvSpPr/>
+          <p:nvPr/>
+        </p:nvSpPr>
+        <p:spPr>
+          <a:xfrm>
+            <a:off x="638629" y="1424539"/>
+            <a:ext cx="2438400" cy="1569660"/>
+          </a:xfrm>
+          <a:prstGeom prst="rect">
+            <a:avLst/>
+          </a:prstGeom>
+          <a:noFill/>
+        </p:spPr>
+        <p:txBody>
+          <a:bodyPr wrap="square">
+            <a:spAutoFit/>
+          </a:bodyPr>
+          <a:lstStyle/>
+          <a:p>
+            <a:r>
+              <a:rPr lang="en-US" sz="2400" b="1" dirty="0" smtClean="0">
+                <a:solidFill>
+                  <a:srgbClr val="0070C0"/>
+                </a:solidFill>
+              </a:rPr>
+              <a:t>Definition:</a:t>
+            </a:r>
+          </a:p>
+          <a:p>
+            <a:r>
+              <a:rPr lang="en-US" sz="2400" dirty="0" smtClean="0">
+                <a:solidFill>
+                  <a:srgbClr val="0070C0"/>
+                </a:solidFill>
+              </a:rPr>
+              <a:t>Any closed, prescribed list of terms</a:t>
+            </a:r>
+            <a:endParaRPr lang="en-US" sz="2400" dirty="0">
+              <a:solidFill>
+                <a:srgbClr val="0070C0"/>
+              </a:solidFill>
+            </a:endParaRPr>
+          </a:p>
+        </p:txBody>
+      </p:sp>
+      <p:sp>
+        <p:nvSpPr>
+          <p:cNvPr id="10" name="Rectangle 9"/>
+          <p:cNvSpPr/>
+          <p:nvPr/>
+        </p:nvSpPr>
+        <p:spPr>
+          <a:xfrm>
+            <a:off x="3381829" y="1424539"/>
+            <a:ext cx="2514600" cy="3416320"/>
+          </a:xfrm>
+          <a:prstGeom prst="rect">
+            <a:avLst/>
+          </a:prstGeom>
+          <a:noFill/>
+          <a:ln>
+            <a:noFill/>
+          </a:ln>
+        </p:spPr>
+        <p:style>
+          <a:lnRef idx="1">
+            <a:schemeClr val="accent1"/>
+          </a:lnRef>
+          <a:fillRef idx="2">
+            <a:schemeClr val="accent1"/>
+          </a:fillRef>
+          <a:effectRef idx="1">
+            <a:schemeClr val="accent1"/>
+          </a:effectRef>
+          <a:fontRef idx="minor">
+            <a:schemeClr val="dk1"/>
+          </a:fontRef>
+        </p:style>
+        <p:txBody>
+          <a:bodyPr wrap="square">
+            <a:spAutoFit/>
+          </a:bodyPr>
+          <a:lstStyle/>
+          <a:p>
+            <a:r>
+              <a:rPr lang="en-US" sz="2400" b="1" dirty="0" smtClean="0">
+                <a:solidFill>
+                  <a:srgbClr val="0070C0"/>
+                </a:solidFill>
+              </a:rPr>
+              <a:t>Key Features:</a:t>
+            </a:r>
+          </a:p>
+          <a:p>
+            <a:pPr marL="342900" indent="-342900">
+              <a:buFont typeface="Wingdings" charset="2"/>
+              <a:buChar char="§"/>
+            </a:pPr>
+            <a:r>
+              <a:rPr lang="en-US" sz="2400" dirty="0" smtClean="0">
+                <a:solidFill>
+                  <a:srgbClr val="0070C0"/>
+                </a:solidFill>
+              </a:rPr>
+              <a:t>Terms are not usually defined</a:t>
+            </a:r>
+          </a:p>
+          <a:p>
+            <a:pPr marL="342900" indent="-342900">
+              <a:buFont typeface="Wingdings" charset="2"/>
+              <a:buChar char="§"/>
+            </a:pPr>
+            <a:r>
+              <a:rPr lang="en-US" sz="2400" dirty="0" smtClean="0">
+                <a:solidFill>
+                  <a:srgbClr val="0070C0"/>
+                </a:solidFill>
+              </a:rPr>
+              <a:t>Relationships </a:t>
+            </a:r>
+            <a:r>
+              <a:rPr lang="en-US" sz="2400" dirty="0" smtClean="0">
+                <a:solidFill>
+                  <a:srgbClr val="0070C0"/>
+                </a:solidFill>
+              </a:rPr>
+              <a:t>between the terms are not usually defined</a:t>
+            </a:r>
+          </a:p>
+          <a:p>
+            <a:pPr marL="342900" indent="-342900">
+              <a:buFont typeface="Wingdings" charset="2"/>
+              <a:buChar char="§"/>
+            </a:pPr>
+            <a:r>
+              <a:rPr lang="en-US" sz="2400" dirty="0">
+                <a:solidFill>
+                  <a:srgbClr val="0070C0"/>
+                </a:solidFill>
+              </a:rPr>
+              <a:t>S</a:t>
+            </a:r>
+            <a:r>
+              <a:rPr lang="en-US" sz="2400" dirty="0" smtClean="0">
+                <a:solidFill>
+                  <a:srgbClr val="0070C0"/>
+                </a:solidFill>
+              </a:rPr>
+              <a:t>implest form is a list</a:t>
+            </a:r>
+            <a:endParaRPr lang="en-US" sz="2400" dirty="0">
+              <a:solidFill>
+                <a:srgbClr val="0070C0"/>
+              </a:solidFill>
+            </a:endParaRPr>
+          </a:p>
+        </p:txBody>
+      </p:sp>
+      <p:sp>
+        <p:nvSpPr>
+          <p:cNvPr id="11" name="TextBox 10"/>
+          <p:cNvSpPr txBox="1"/>
+          <p:nvPr/>
+        </p:nvSpPr>
+        <p:spPr>
+          <a:xfrm>
+            <a:off x="4982029" y="3786739"/>
+            <a:ext cx="184666" cy="369332"/>
+          </a:xfrm>
+          <a:prstGeom prst="rect">
+            <a:avLst/>
+          </a:prstGeom>
+          <a:noFill/>
+        </p:spPr>
+        <p:txBody>
+          <a:bodyPr wrap="none" rtlCol="0">
+            <a:spAutoFit/>
+          </a:bodyPr>
+          <a:lstStyle/>
+          <a:p>
+            <a:endParaRPr lang="en-US" dirty="0">
+              <a:solidFill>
+                <a:srgbClr val="0070C0"/>
+              </a:solidFill>
+            </a:endParaRPr>
+          </a:p>
+        </p:txBody>
+      </p:sp>
+      <p:pic>
+        <p:nvPicPr>
+          <p:cNvPr id="12" name="Picture 11"/>
+          <p:cNvPicPr>
+            <a:picLocks noChangeAspect="1"/>
+          </p:cNvPicPr>
+          <p:nvPr/>
+        </p:nvPicPr>
+        <p:blipFill>
+          <a:blip r:embed="rId4">
+            <a:extLst>
+              <a:ext uri="{28A0092B-C50C-407E-A947-70E740481C1C}">
+                <a14:useLocalDpi xmlns:a14="http://schemas.microsoft.com/office/drawing/2010/main" val="0"/>
+              </a:ext>
+            </a:extLst>
+          </a:blip>
+          <a:stretch>
+            <a:fillRect/>
+          </a:stretch>
+        </p:blipFill>
+        <p:spPr>
+          <a:xfrm>
+            <a:off x="76200" y="1295400"/>
+            <a:ext cx="738739" cy="738739"/>
+          </a:xfrm>
+          <a:prstGeom prst="rect">
+            <a:avLst/>
+          </a:prstGeom>
+        </p:spPr>
+      </p:pic>
+      <p:pic>
+        <p:nvPicPr>
+          <p:cNvPr id="13" name="Picture 12"/>
+          <p:cNvPicPr>
+            <a:picLocks noChangeAspect="1"/>
+          </p:cNvPicPr>
+          <p:nvPr/>
+        </p:nvPicPr>
+        <p:blipFill>
+          <a:blip r:embed="rId4">
+            <a:extLst>
+              <a:ext uri="{28A0092B-C50C-407E-A947-70E740481C1C}">
+                <a14:useLocalDpi xmlns:a14="http://schemas.microsoft.com/office/drawing/2010/main" val="0"/>
+              </a:ext>
+            </a:extLst>
+          </a:blip>
+          <a:stretch>
+            <a:fillRect/>
+          </a:stretch>
+        </p:blipFill>
+        <p:spPr>
+          <a:xfrm>
+            <a:off x="2772229" y="1295400"/>
+            <a:ext cx="738739" cy="738739"/>
+          </a:xfrm>
+          <a:prstGeom prst="rect">
+            <a:avLst/>
+          </a:prstGeom>
+        </p:spPr>
+      </p:pic>
+      <p:sp>
+        <p:nvSpPr>
+          <p:cNvPr id="14" name="Rectangle 13"/>
+          <p:cNvSpPr/>
+          <p:nvPr/>
+        </p:nvSpPr>
+        <p:spPr>
+          <a:xfrm>
+            <a:off x="8169291" y="1424539"/>
+            <a:ext cx="2514600" cy="2677656"/>
+          </a:xfrm>
+          <a:prstGeom prst="rect">
+            <a:avLst/>
+          </a:prstGeom>
+          <a:noFill/>
+          <a:ln>
+            <a:noFill/>
+          </a:ln>
+        </p:spPr>
+        <p:style>
+          <a:lnRef idx="1">
+            <a:schemeClr val="accent1"/>
+          </a:lnRef>
+          <a:fillRef idx="2">
+            <a:schemeClr val="accent1"/>
+          </a:fillRef>
+          <a:effectRef idx="1">
+            <a:schemeClr val="accent1"/>
+          </a:effectRef>
+          <a:fontRef idx="minor">
+            <a:schemeClr val="dk1"/>
+          </a:fontRef>
+        </p:style>
+        <p:txBody>
+          <a:bodyPr wrap="square">
+            <a:spAutoFit/>
+          </a:bodyPr>
+          <a:lstStyle/>
+          <a:p>
+            <a:r>
+              <a:rPr lang="en-US" sz="2400" b="1" dirty="0" smtClean="0">
+                <a:solidFill>
+                  <a:srgbClr val="0070C0"/>
+                </a:solidFill>
+              </a:rPr>
+              <a:t>Example:</a:t>
+            </a:r>
+            <a:endParaRPr lang="en-US" sz="2400" b="1" dirty="0" smtClean="0">
+              <a:solidFill>
+                <a:srgbClr val="0070C0"/>
+              </a:solidFill>
+            </a:endParaRPr>
+          </a:p>
+          <a:p>
+            <a:pPr marL="342900" indent="-342900">
+              <a:buFont typeface="Wingdings" charset="2"/>
+              <a:buChar char="§"/>
+            </a:pPr>
+            <a:r>
+              <a:rPr lang="en-US" sz="2400" dirty="0" smtClean="0">
+                <a:solidFill>
+                  <a:srgbClr val="0070C0"/>
+                </a:solidFill>
+              </a:rPr>
+              <a:t>E. coli</a:t>
+            </a:r>
+          </a:p>
+          <a:p>
+            <a:pPr marL="342900" indent="-342900">
+              <a:buFont typeface="Wingdings" charset="2"/>
+              <a:buChar char="§"/>
+            </a:pPr>
+            <a:r>
+              <a:rPr lang="en-US" sz="2400" dirty="0">
+                <a:solidFill>
+                  <a:srgbClr val="0070C0"/>
+                </a:solidFill>
+              </a:rPr>
+              <a:t>Drosophila </a:t>
+            </a:r>
+            <a:r>
+              <a:rPr lang="en-US" sz="2400" dirty="0" smtClean="0">
+                <a:solidFill>
+                  <a:srgbClr val="0070C0"/>
+                </a:solidFill>
+              </a:rPr>
+              <a:t>melanogaster</a:t>
+            </a:r>
+          </a:p>
+          <a:p>
+            <a:pPr marL="342900" indent="-342900">
+              <a:buFont typeface="Wingdings" charset="2"/>
+              <a:buChar char="§"/>
+            </a:pPr>
+            <a:r>
+              <a:rPr lang="en-US" sz="2400" dirty="0">
+                <a:solidFill>
+                  <a:srgbClr val="0070C0"/>
+                </a:solidFill>
+              </a:rPr>
+              <a:t>Homo sapiens</a:t>
+            </a:r>
+            <a:endParaRPr lang="en-US" sz="2400" dirty="0" smtClean="0">
+              <a:solidFill>
+                <a:srgbClr val="0070C0"/>
+              </a:solidFill>
+            </a:endParaRPr>
+          </a:p>
+          <a:p>
+            <a:pPr marL="342900" indent="-342900">
+              <a:buFont typeface="Wingdings" charset="2"/>
+              <a:buChar char="§"/>
+            </a:pPr>
+            <a:r>
+              <a:rPr lang="en-US" sz="2400" dirty="0">
+                <a:solidFill>
+                  <a:srgbClr val="0070C0"/>
+                </a:solidFill>
+              </a:rPr>
+              <a:t>Mus </a:t>
+            </a:r>
+            <a:r>
+              <a:rPr lang="en-US" sz="2400" dirty="0" err="1">
+                <a:solidFill>
+                  <a:srgbClr val="0070C0"/>
+                </a:solidFill>
+              </a:rPr>
+              <a:t>musculus</a:t>
+            </a:r>
+            <a:endParaRPr lang="en-US" sz="2400" dirty="0" smtClean="0">
+              <a:solidFill>
+                <a:srgbClr val="0070C0"/>
+              </a:solidFill>
+            </a:endParaRPr>
+          </a:p>
+          <a:p>
+            <a:pPr marL="342900" indent="-342900">
+              <a:buFont typeface="Wingdings" charset="2"/>
+              <a:buChar char="§"/>
+            </a:pPr>
+            <a:r>
+              <a:rPr lang="en-US" sz="2400" dirty="0" smtClean="0">
+                <a:solidFill>
+                  <a:srgbClr val="0070C0"/>
+                </a:solidFill>
+              </a:rPr>
+              <a:t>Salmonella</a:t>
+            </a:r>
+            <a:endParaRPr lang="en-US" sz="2400" dirty="0" smtClean="0">
+              <a:solidFill>
+                <a:srgbClr val="0070C0"/>
+              </a:solidFill>
+            </a:endParaRPr>
+          </a:p>
+        </p:txBody>
+      </p:sp>
+    </p:spTree>
+    <p:extLst>
+      <p:ext uri="{BB962C8B-B14F-4D97-AF65-F5344CB8AC3E}">
+        <p14:creationId xmlns:p14="http://schemas.microsoft.com/office/powerpoint/2010/main" val="1596483888"/>
+      </p:ext>
+    </p:extLst>
+  </p:cSld>
+  <p:clrMapOvr>
+    <a:masterClrMapping/>
+  </p:clrMapOvr>
+</p:sld>
+</file>
+
+<file path=ppt/slides/slide13.xml><?xml version="1.0" encoding="utf-8"?>
+<p:sld xmlns:a="http://schemas.openxmlformats.org/drawingml/2006/main" xmlns:r="http://schemas.openxmlformats.org/officeDocument/2006/relationships" xmlns:p="http://schemas.openxmlformats.org/presentationml/2006/main">
+  <p:cSld>
+    <p:spTree>
+      <p:nvGrpSpPr>
+        <p:cNvPr id="1" name=""/>
+        <p:cNvGrpSpPr/>
+        <p:nvPr/>
+      </p:nvGrpSpPr>
+      <p:grpSpPr>
+        <a:xfrm>
+          <a:off x="0" y="0"/>
+          <a:ext cx="0" cy="0"/>
+          <a:chOff x="0" y="0"/>
+          <a:chExt cx="0" cy="0"/>
+        </a:xfrm>
+      </p:grpSpPr>
+      <p:pic>
+        <p:nvPicPr>
+          <p:cNvPr id="8" name="Picture 2" descr="Ed_DaSH">
+            <a:extLst>
+              <a:ext uri="{FF2B5EF4-FFF2-40B4-BE49-F238E27FC236}">
+                <a16:creationId xmlns:a16="http://schemas.microsoft.com/office/drawing/2014/main" id="{A783256F-E39E-4712-96B0-240BD611CFEB}"/>
+              </a:ext>
+            </a:extLst>
+          </p:cNvPr>
+          <p:cNvPicPr>
+            <a:picLocks noChangeAspect="1" noChangeArrowheads="1"/>
+          </p:cNvPicPr>
+          <p:nvPr/>
+        </p:nvPicPr>
+        <p:blipFill>
+          <a:blip r:embed="rId3" cstate="hqprint">
+            <a:extLst>
+              <a:ext uri="{28A0092B-C50C-407E-A947-70E740481C1C}">
+                <a14:useLocalDpi xmlns:a14="http://schemas.microsoft.com/office/drawing/2010/main" val="0"/>
+              </a:ext>
+            </a:extLst>
+          </a:blip>
+          <a:srcRect/>
+          <a:stretch>
+            <a:fillRect/>
+          </a:stretch>
+        </p:blipFill>
+        <p:spPr bwMode="auto">
+          <a:xfrm>
+            <a:off x="10820670" y="5458691"/>
+            <a:ext cx="1289214" cy="1325418"/>
+          </a:xfrm>
+          <a:prstGeom prst="rect">
+            <a:avLst/>
+          </a:prstGeom>
+          <a:noFill/>
+          <a:extLst>
+            <a:ext uri="{909E8E84-426E-40DD-AFC4-6F175D3DCCD1}">
+              <a14:hiddenFill xmlns:a14="http://schemas.microsoft.com/office/drawing/2010/main">
+                <a:solidFill>
+                  <a:srgbClr val="FFFFFF"/>
+                </a:solidFill>
+              </a14:hiddenFill>
+            </a:ext>
+          </a:extLst>
+        </p:spPr>
+      </p:pic>
+      <p:sp>
+        <p:nvSpPr>
+          <p:cNvPr id="4" name="TextBox 3">
+            <a:extLst>
+              <a:ext uri="{FF2B5EF4-FFF2-40B4-BE49-F238E27FC236}">
+                <a16:creationId xmlns:a16="http://schemas.microsoft.com/office/drawing/2014/main" id="{EE6143B8-875F-4DCA-8787-95D765751952}"/>
+              </a:ext>
+            </a:extLst>
+          </p:cNvPr>
+          <p:cNvSpPr txBox="1"/>
+          <p:nvPr/>
+        </p:nvSpPr>
+        <p:spPr>
+          <a:xfrm>
+            <a:off x="597382" y="240994"/>
+            <a:ext cx="11368830" cy="646331"/>
+          </a:xfrm>
+          <a:prstGeom prst="rect">
+            <a:avLst/>
+          </a:prstGeom>
+          <a:noFill/>
+        </p:spPr>
+        <p:txBody>
+          <a:bodyPr wrap="square">
+            <a:spAutoFit/>
+          </a:bodyPr>
+          <a:lstStyle/>
+          <a:p>
+            <a:r>
+              <a:rPr lang="en-GB" sz="3600" dirty="0" smtClean="0">
+                <a:solidFill>
+                  <a:srgbClr val="0070C0"/>
+                </a:solidFill>
+              </a:rPr>
+              <a:t>Taxonomy</a:t>
+            </a:r>
+            <a:endParaRPr lang="en-GB" sz="3600" dirty="0">
+              <a:solidFill>
+                <a:srgbClr val="0070C0"/>
+              </a:solidFill>
+            </a:endParaRPr>
+          </a:p>
+        </p:txBody>
+      </p:sp>
+      <p:sp>
+        <p:nvSpPr>
+          <p:cNvPr id="14" name="Rectangle 13"/>
+          <p:cNvSpPr/>
+          <p:nvPr/>
+        </p:nvSpPr>
+        <p:spPr>
+          <a:xfrm>
+            <a:off x="638629" y="1424539"/>
+            <a:ext cx="2590800" cy="4114800"/>
+          </a:xfrm>
+          <a:prstGeom prst="rect">
+            <a:avLst/>
+          </a:prstGeom>
+          <a:noFill/>
+          <a:ln>
+            <a:noFill/>
+          </a:ln>
+          <a:effectLst>
+            <a:outerShdw blurRad="50800" dist="38100" dir="2700000" algn="tl" rotWithShape="0">
+              <a:srgbClr val="000000">
+                <a:alpha val="43000"/>
+              </a:srgbClr>
+            </a:outerShdw>
+          </a:effectLst>
+        </p:spPr>
+        <p:style>
+          <a:lnRef idx="1">
+            <a:schemeClr val="accent1"/>
+          </a:lnRef>
+          <a:fillRef idx="3">
+            <a:schemeClr val="accent1"/>
+          </a:fillRef>
+          <a:effectRef idx="2">
+            <a:schemeClr val="accent1"/>
+          </a:effectRef>
+          <a:fontRef idx="minor">
+            <a:schemeClr val="lt1"/>
+          </a:fontRef>
+        </p:style>
+        <p:txBody>
+          <a:bodyPr rtlCol="0" anchor="ctr"/>
+          <a:lstStyle/>
+          <a:p>
+            <a:pPr algn="ctr"/>
+            <a:endParaRPr lang="en-US">
+              <a:solidFill>
+                <a:srgbClr val="0070C0"/>
+              </a:solidFill>
+            </a:endParaRPr>
+          </a:p>
+        </p:txBody>
+      </p:sp>
+      <p:sp>
+        <p:nvSpPr>
+          <p:cNvPr id="15" name="Rectangle 14"/>
+          <p:cNvSpPr/>
+          <p:nvPr/>
+        </p:nvSpPr>
+        <p:spPr>
+          <a:xfrm>
+            <a:off x="638629" y="1424539"/>
+            <a:ext cx="2028371" cy="2308324"/>
+          </a:xfrm>
+          <a:prstGeom prst="rect">
+            <a:avLst/>
+          </a:prstGeom>
+          <a:noFill/>
+        </p:spPr>
+        <p:txBody>
+          <a:bodyPr wrap="square">
+            <a:spAutoFit/>
+          </a:bodyPr>
+          <a:lstStyle/>
+          <a:p>
+            <a:r>
+              <a:rPr lang="en-US" sz="2400" b="1" dirty="0" smtClean="0">
+                <a:solidFill>
+                  <a:srgbClr val="0070C0"/>
+                </a:solidFill>
+              </a:rPr>
+              <a:t>Definition:</a:t>
+            </a:r>
+          </a:p>
+          <a:p>
+            <a:r>
+              <a:rPr lang="en-US" sz="2400" dirty="0">
+                <a:solidFill>
+                  <a:srgbClr val="0070C0"/>
+                </a:solidFill>
+              </a:rPr>
+              <a:t>Any controlled vocabulary that is arranged in a hierarchy </a:t>
+            </a:r>
+          </a:p>
+        </p:txBody>
+      </p:sp>
+      <p:sp>
+        <p:nvSpPr>
+          <p:cNvPr id="16" name="Rectangle 15"/>
+          <p:cNvSpPr/>
+          <p:nvPr/>
+        </p:nvSpPr>
+        <p:spPr>
+          <a:xfrm>
+            <a:off x="3281850" y="1424539"/>
+            <a:ext cx="2514600" cy="3785652"/>
+          </a:xfrm>
+          <a:prstGeom prst="rect">
+            <a:avLst/>
+          </a:prstGeom>
+          <a:noFill/>
+          <a:ln>
+            <a:noFill/>
+          </a:ln>
+        </p:spPr>
+        <p:style>
+          <a:lnRef idx="1">
+            <a:schemeClr val="accent1"/>
+          </a:lnRef>
+          <a:fillRef idx="2">
+            <a:schemeClr val="accent1"/>
+          </a:fillRef>
+          <a:effectRef idx="1">
+            <a:schemeClr val="accent1"/>
+          </a:effectRef>
+          <a:fontRef idx="minor">
+            <a:schemeClr val="dk1"/>
+          </a:fontRef>
+        </p:style>
+        <p:txBody>
+          <a:bodyPr wrap="square">
+            <a:spAutoFit/>
+          </a:bodyPr>
+          <a:lstStyle/>
+          <a:p>
+            <a:r>
+              <a:rPr lang="en-US" sz="2400" b="1" dirty="0" smtClean="0">
+                <a:solidFill>
+                  <a:srgbClr val="0070C0"/>
+                </a:solidFill>
+              </a:rPr>
+              <a:t>Key Features:</a:t>
+            </a:r>
+          </a:p>
+          <a:p>
+            <a:pPr marL="342900" indent="-342900">
+              <a:buFont typeface="Wingdings" charset="2"/>
+              <a:buChar char="§"/>
+            </a:pPr>
+            <a:r>
+              <a:rPr lang="en-US" sz="2400" dirty="0">
+                <a:solidFill>
+                  <a:srgbClr val="0070C0"/>
+                </a:solidFill>
+              </a:rPr>
+              <a:t>Terms are not usually defined</a:t>
+            </a:r>
+          </a:p>
+          <a:p>
+            <a:pPr marL="342900" indent="-342900">
+              <a:buFont typeface="Wingdings" charset="2"/>
+              <a:buChar char="§"/>
+            </a:pPr>
+            <a:r>
+              <a:rPr lang="en-US" sz="2400" dirty="0" smtClean="0">
+                <a:solidFill>
+                  <a:srgbClr val="0070C0"/>
+                </a:solidFill>
+              </a:rPr>
+              <a:t>Relationships </a:t>
+            </a:r>
+            <a:r>
+              <a:rPr lang="en-US" sz="2400" dirty="0">
+                <a:solidFill>
+                  <a:srgbClr val="0070C0"/>
+                </a:solidFill>
+              </a:rPr>
+              <a:t>between the terms are not usually defined</a:t>
+            </a:r>
+          </a:p>
+          <a:p>
+            <a:pPr marL="342900" indent="-342900">
+              <a:buFont typeface="Wingdings" charset="2"/>
+              <a:buChar char="§"/>
+            </a:pPr>
+            <a:r>
+              <a:rPr lang="en-US" sz="2400" dirty="0" smtClean="0">
+                <a:solidFill>
+                  <a:srgbClr val="0070C0"/>
+                </a:solidFill>
+              </a:rPr>
+              <a:t>Terms </a:t>
+            </a:r>
+            <a:r>
+              <a:rPr lang="en-US" sz="2400" dirty="0">
+                <a:solidFill>
+                  <a:srgbClr val="0070C0"/>
+                </a:solidFill>
+              </a:rPr>
+              <a:t>are arranged in a hierarchy</a:t>
+            </a:r>
+          </a:p>
+        </p:txBody>
+      </p:sp>
+      <p:sp>
+        <p:nvSpPr>
+          <p:cNvPr id="17" name="TextBox 16"/>
+          <p:cNvSpPr txBox="1"/>
+          <p:nvPr/>
+        </p:nvSpPr>
+        <p:spPr>
+          <a:xfrm>
+            <a:off x="5139679" y="3786739"/>
+            <a:ext cx="184666" cy="369332"/>
+          </a:xfrm>
+          <a:prstGeom prst="rect">
+            <a:avLst/>
+          </a:prstGeom>
+          <a:noFill/>
+        </p:spPr>
+        <p:txBody>
+          <a:bodyPr wrap="none" rtlCol="0">
+            <a:spAutoFit/>
+          </a:bodyPr>
+          <a:lstStyle/>
+          <a:p>
+            <a:endParaRPr lang="en-US" dirty="0">
+              <a:solidFill>
+                <a:srgbClr val="0070C0"/>
+              </a:solidFill>
+            </a:endParaRPr>
+          </a:p>
+        </p:txBody>
+      </p:sp>
+      <p:pic>
+        <p:nvPicPr>
+          <p:cNvPr id="18" name="Picture 17"/>
+          <p:cNvPicPr>
+            <a:picLocks noChangeAspect="1"/>
+          </p:cNvPicPr>
+          <p:nvPr/>
+        </p:nvPicPr>
+        <p:blipFill>
+          <a:blip r:embed="rId4">
+            <a:extLst>
+              <a:ext uri="{28A0092B-C50C-407E-A947-70E740481C1C}">
+                <a14:useLocalDpi xmlns:a14="http://schemas.microsoft.com/office/drawing/2010/main" val="0"/>
+              </a:ext>
+            </a:extLst>
+          </a:blip>
+          <a:stretch>
+            <a:fillRect/>
+          </a:stretch>
+        </p:blipFill>
+        <p:spPr>
+          <a:xfrm>
+            <a:off x="76200" y="1295400"/>
+            <a:ext cx="738739" cy="738739"/>
+          </a:xfrm>
+          <a:prstGeom prst="rect">
+            <a:avLst/>
+          </a:prstGeom>
+        </p:spPr>
+      </p:pic>
+      <p:pic>
+        <p:nvPicPr>
+          <p:cNvPr id="19" name="Picture 18"/>
+          <p:cNvPicPr>
+            <a:picLocks noChangeAspect="1"/>
+          </p:cNvPicPr>
+          <p:nvPr/>
+        </p:nvPicPr>
+        <p:blipFill>
+          <a:blip r:embed="rId4">
+            <a:extLst>
+              <a:ext uri="{28A0092B-C50C-407E-A947-70E740481C1C}">
+                <a14:useLocalDpi xmlns:a14="http://schemas.microsoft.com/office/drawing/2010/main" val="0"/>
+              </a:ext>
+            </a:extLst>
+          </a:blip>
+          <a:stretch>
+            <a:fillRect/>
+          </a:stretch>
+        </p:blipFill>
+        <p:spPr>
+          <a:xfrm>
+            <a:off x="2651230" y="1295400"/>
+            <a:ext cx="738739" cy="738739"/>
+          </a:xfrm>
+          <a:prstGeom prst="rect">
+            <a:avLst/>
+          </a:prstGeom>
+        </p:spPr>
+      </p:pic>
+      <p:sp>
+        <p:nvSpPr>
+          <p:cNvPr id="20" name="Rectangle 19"/>
+          <p:cNvSpPr/>
+          <p:nvPr/>
+        </p:nvSpPr>
+        <p:spPr>
+          <a:xfrm>
+            <a:off x="8169291" y="1424539"/>
+            <a:ext cx="3633826" cy="4524315"/>
+          </a:xfrm>
+          <a:prstGeom prst="rect">
+            <a:avLst/>
+          </a:prstGeom>
+          <a:noFill/>
+          <a:ln>
+            <a:noFill/>
+          </a:ln>
+        </p:spPr>
+        <p:style>
+          <a:lnRef idx="1">
+            <a:schemeClr val="accent1"/>
+          </a:lnRef>
+          <a:fillRef idx="2">
+            <a:schemeClr val="accent1"/>
+          </a:fillRef>
+          <a:effectRef idx="1">
+            <a:schemeClr val="accent1"/>
+          </a:effectRef>
+          <a:fontRef idx="minor">
+            <a:schemeClr val="dk1"/>
+          </a:fontRef>
+        </p:style>
+        <p:txBody>
+          <a:bodyPr wrap="square">
+            <a:spAutoFit/>
+          </a:bodyPr>
+          <a:lstStyle/>
+          <a:p>
+            <a:r>
+              <a:rPr lang="en-US" sz="2400" b="1" dirty="0" smtClean="0">
+                <a:solidFill>
+                  <a:srgbClr val="0070C0"/>
+                </a:solidFill>
+              </a:rPr>
+              <a:t>Example:</a:t>
+            </a:r>
+            <a:endParaRPr lang="en-US" sz="2400" b="1" dirty="0" smtClean="0">
+              <a:solidFill>
+                <a:srgbClr val="0070C0"/>
+              </a:solidFill>
+            </a:endParaRPr>
+          </a:p>
+          <a:p>
+            <a:pPr marL="342900" indent="-342900">
+              <a:buFont typeface="Wingdings" charset="2"/>
+              <a:buChar char="§"/>
+            </a:pPr>
+            <a:r>
+              <a:rPr lang="en-US" sz="2400" dirty="0" smtClean="0">
+                <a:solidFill>
+                  <a:srgbClr val="0070C0"/>
+                </a:solidFill>
+              </a:rPr>
+              <a:t>Bacteria</a:t>
+            </a:r>
+          </a:p>
+          <a:p>
+            <a:pPr marL="800100" lvl="1" indent="-342900">
+              <a:buFont typeface="Wingdings" charset="2"/>
+              <a:buChar char="§"/>
+            </a:pPr>
+            <a:r>
+              <a:rPr lang="en-US" sz="2400" dirty="0" smtClean="0">
+                <a:solidFill>
+                  <a:srgbClr val="0070C0"/>
+                </a:solidFill>
+              </a:rPr>
+              <a:t>E. coli</a:t>
+            </a:r>
+          </a:p>
+          <a:p>
+            <a:pPr marL="800100" lvl="1" indent="-342900">
+              <a:buFont typeface="Wingdings" charset="2"/>
+              <a:buChar char="§"/>
+            </a:pPr>
+            <a:r>
+              <a:rPr lang="en-US" sz="2400" dirty="0" smtClean="0">
+                <a:solidFill>
+                  <a:srgbClr val="0070C0"/>
+                </a:solidFill>
+              </a:rPr>
+              <a:t>Salmonella</a:t>
+            </a:r>
+            <a:endParaRPr lang="en-US" sz="2400" dirty="0" smtClean="0">
+              <a:solidFill>
+                <a:srgbClr val="0070C0"/>
+              </a:solidFill>
+            </a:endParaRPr>
+          </a:p>
+          <a:p>
+            <a:pPr marL="342900" indent="-342900">
+              <a:buFont typeface="Wingdings" charset="2"/>
+              <a:buChar char="§"/>
+            </a:pPr>
+            <a:r>
+              <a:rPr lang="en-US" sz="2400" dirty="0" err="1" smtClean="0">
+                <a:solidFill>
+                  <a:srgbClr val="0070C0"/>
+                </a:solidFill>
+              </a:rPr>
+              <a:t>Eucariota</a:t>
+            </a:r>
+            <a:endParaRPr lang="en-US" sz="2400" dirty="0" smtClean="0">
+              <a:solidFill>
+                <a:srgbClr val="0070C0"/>
+              </a:solidFill>
+            </a:endParaRPr>
+          </a:p>
+          <a:p>
+            <a:pPr marL="800100" lvl="1" indent="-342900">
+              <a:buFont typeface="Wingdings" charset="2"/>
+              <a:buChar char="§"/>
+            </a:pPr>
+            <a:r>
+              <a:rPr lang="en-US" sz="2400" dirty="0" smtClean="0">
+                <a:solidFill>
+                  <a:srgbClr val="0070C0"/>
+                </a:solidFill>
+              </a:rPr>
+              <a:t>Mammalia</a:t>
+            </a:r>
+          </a:p>
+          <a:p>
+            <a:pPr marL="1257300" lvl="2" indent="-342900">
+              <a:buFont typeface="Wingdings" charset="2"/>
+              <a:buChar char="§"/>
+            </a:pPr>
+            <a:r>
+              <a:rPr lang="en-US" sz="2400" dirty="0">
+                <a:solidFill>
+                  <a:srgbClr val="0070C0"/>
+                </a:solidFill>
+              </a:rPr>
+              <a:t>Homo sapiens</a:t>
+            </a:r>
+            <a:endParaRPr lang="en-US" sz="2400" dirty="0" smtClean="0">
+              <a:solidFill>
+                <a:srgbClr val="0070C0"/>
+              </a:solidFill>
+            </a:endParaRPr>
+          </a:p>
+          <a:p>
+            <a:pPr marL="1257300" lvl="2" indent="-342900">
+              <a:buFont typeface="Wingdings" charset="2"/>
+              <a:buChar char="§"/>
+            </a:pPr>
+            <a:r>
+              <a:rPr lang="en-US" sz="2400" dirty="0">
+                <a:solidFill>
+                  <a:srgbClr val="0070C0"/>
+                </a:solidFill>
+              </a:rPr>
+              <a:t>Mus </a:t>
+            </a:r>
+            <a:r>
+              <a:rPr lang="en-US" sz="2400" dirty="0" err="1" smtClean="0">
+                <a:solidFill>
+                  <a:srgbClr val="0070C0"/>
+                </a:solidFill>
+              </a:rPr>
+              <a:t>musculus</a:t>
+            </a:r>
+            <a:endParaRPr lang="en-US" sz="2400" dirty="0" smtClean="0">
+              <a:solidFill>
+                <a:srgbClr val="0070C0"/>
+              </a:solidFill>
+            </a:endParaRPr>
+          </a:p>
+          <a:p>
+            <a:pPr marL="800100" lvl="1" indent="-342900">
+              <a:buFont typeface="Wingdings" charset="2"/>
+              <a:buChar char="§"/>
+            </a:pPr>
+            <a:r>
+              <a:rPr lang="en-US" sz="2400" dirty="0" err="1" smtClean="0">
+                <a:solidFill>
+                  <a:srgbClr val="0070C0"/>
+                </a:solidFill>
+              </a:rPr>
+              <a:t>Insecta</a:t>
+            </a:r>
+            <a:endParaRPr lang="en-US" sz="2400" dirty="0" smtClean="0">
+              <a:solidFill>
+                <a:srgbClr val="0070C0"/>
+              </a:solidFill>
+            </a:endParaRPr>
+          </a:p>
+          <a:p>
+            <a:pPr marL="1257300" lvl="2" indent="-342900">
+              <a:buFont typeface="Wingdings" charset="2"/>
+              <a:buChar char="§"/>
+            </a:pPr>
+            <a:r>
+              <a:rPr lang="en-US" sz="2400" dirty="0">
+                <a:solidFill>
+                  <a:srgbClr val="0070C0"/>
+                </a:solidFill>
+              </a:rPr>
+              <a:t>Drosophila melanogaster</a:t>
+            </a:r>
+          </a:p>
+          <a:p>
+            <a:pPr marL="1257300" lvl="2" indent="-342900">
+              <a:buFont typeface="Wingdings" charset="2"/>
+              <a:buChar char="§"/>
+            </a:pPr>
+            <a:endParaRPr lang="en-US" sz="2400" dirty="0" smtClean="0">
+              <a:solidFill>
+                <a:srgbClr val="0070C0"/>
+              </a:solidFill>
+            </a:endParaRPr>
+          </a:p>
+        </p:txBody>
+      </p:sp>
+    </p:spTree>
+    <p:extLst>
+      <p:ext uri="{BB962C8B-B14F-4D97-AF65-F5344CB8AC3E}">
+        <p14:creationId xmlns:p14="http://schemas.microsoft.com/office/powerpoint/2010/main" val="3646139207"/>
+      </p:ext>
+    </p:extLst>
+  </p:cSld>
+  <p:clrMapOvr>
+    <a:masterClrMapping/>
+  </p:clrMapOvr>
+</p:sld>
+</file>
+
+<file path=ppt/slides/slide14.xml><?xml version="1.0" encoding="utf-8"?>
+<p:sld xmlns:a="http://schemas.openxmlformats.org/drawingml/2006/main" xmlns:r="http://schemas.openxmlformats.org/officeDocument/2006/relationships" xmlns:p="http://schemas.openxmlformats.org/presentationml/2006/main">
+  <p:cSld>
+    <p:spTree>
+      <p:nvGrpSpPr>
+        <p:cNvPr id="1" name=""/>
+        <p:cNvGrpSpPr/>
+        <p:nvPr/>
+      </p:nvGrpSpPr>
+      <p:grpSpPr>
+        <a:xfrm>
+          <a:off x="0" y="0"/>
+          <a:ext cx="0" cy="0"/>
+          <a:chOff x="0" y="0"/>
+          <a:chExt cx="0" cy="0"/>
+        </a:xfrm>
+      </p:grpSpPr>
+      <p:pic>
+        <p:nvPicPr>
+          <p:cNvPr id="8" name="Picture 2" descr="Ed_DaSH">
+            <a:extLst>
+              <a:ext uri="{FF2B5EF4-FFF2-40B4-BE49-F238E27FC236}">
+                <a16:creationId xmlns:a16="http://schemas.microsoft.com/office/drawing/2014/main" id="{A783256F-E39E-4712-96B0-240BD611CFEB}"/>
+              </a:ext>
+            </a:extLst>
+          </p:cNvPr>
+          <p:cNvPicPr>
+            <a:picLocks noChangeAspect="1" noChangeArrowheads="1"/>
+          </p:cNvPicPr>
+          <p:nvPr/>
+        </p:nvPicPr>
+        <p:blipFill>
+          <a:blip r:embed="rId3" cstate="hqprint">
+            <a:extLst>
+              <a:ext uri="{28A0092B-C50C-407E-A947-70E740481C1C}">
+                <a14:useLocalDpi xmlns:a14="http://schemas.microsoft.com/office/drawing/2010/main" val="0"/>
+              </a:ext>
+            </a:extLst>
+          </a:blip>
+          <a:srcRect/>
+          <a:stretch>
+            <a:fillRect/>
+          </a:stretch>
+        </p:blipFill>
+        <p:spPr bwMode="auto">
+          <a:xfrm>
+            <a:off x="10820670" y="5458691"/>
+            <a:ext cx="1289214" cy="1325418"/>
+          </a:xfrm>
+          <a:prstGeom prst="rect">
+            <a:avLst/>
+          </a:prstGeom>
+          <a:noFill/>
+          <a:extLst>
+            <a:ext uri="{909E8E84-426E-40DD-AFC4-6F175D3DCCD1}">
+              <a14:hiddenFill xmlns:a14="http://schemas.microsoft.com/office/drawing/2010/main">
+                <a:solidFill>
+                  <a:srgbClr val="FFFFFF"/>
+                </a:solidFill>
+              </a14:hiddenFill>
+            </a:ext>
+          </a:extLst>
+        </p:spPr>
+      </p:pic>
+      <p:sp>
+        <p:nvSpPr>
+          <p:cNvPr id="4" name="TextBox 3">
+            <a:extLst>
+              <a:ext uri="{FF2B5EF4-FFF2-40B4-BE49-F238E27FC236}">
+                <a16:creationId xmlns:a16="http://schemas.microsoft.com/office/drawing/2014/main" id="{EE6143B8-875F-4DCA-8787-95D765751952}"/>
+              </a:ext>
+            </a:extLst>
+          </p:cNvPr>
+          <p:cNvSpPr txBox="1"/>
+          <p:nvPr/>
+        </p:nvSpPr>
+        <p:spPr>
+          <a:xfrm>
+            <a:off x="597382" y="240994"/>
+            <a:ext cx="11368830" cy="646331"/>
+          </a:xfrm>
+          <a:prstGeom prst="rect">
+            <a:avLst/>
+          </a:prstGeom>
+          <a:noFill/>
+        </p:spPr>
+        <p:txBody>
+          <a:bodyPr wrap="square">
+            <a:spAutoFit/>
+          </a:bodyPr>
+          <a:lstStyle/>
+          <a:p>
+            <a:r>
+              <a:rPr lang="en-GB" sz="3600" dirty="0" smtClean="0">
+                <a:solidFill>
+                  <a:srgbClr val="0070C0"/>
+                </a:solidFill>
+              </a:rPr>
+              <a:t>Ontology</a:t>
+            </a:r>
+            <a:endParaRPr lang="en-GB" sz="3600" dirty="0">
+              <a:solidFill>
+                <a:srgbClr val="0070C0"/>
+              </a:solidFill>
+            </a:endParaRPr>
+          </a:p>
+        </p:txBody>
+      </p:sp>
+      <p:sp>
+        <p:nvSpPr>
+          <p:cNvPr id="14" name="Rectangle 13"/>
+          <p:cNvSpPr/>
+          <p:nvPr/>
+        </p:nvSpPr>
+        <p:spPr>
+          <a:xfrm>
+            <a:off x="2288627" y="1536022"/>
+            <a:ext cx="2590800" cy="4114800"/>
+          </a:xfrm>
+          <a:prstGeom prst="rect">
+            <a:avLst/>
+          </a:prstGeom>
+          <a:noFill/>
+          <a:ln>
+            <a:noFill/>
+          </a:ln>
+          <a:effectLst>
+            <a:outerShdw blurRad="50800" dist="38100" dir="2700000" algn="tl" rotWithShape="0">
+              <a:srgbClr val="000000">
+                <a:alpha val="43000"/>
+              </a:srgbClr>
+            </a:outerShdw>
+          </a:effectLst>
+        </p:spPr>
+        <p:style>
+          <a:lnRef idx="1">
+            <a:schemeClr val="accent1"/>
+          </a:lnRef>
+          <a:fillRef idx="3">
+            <a:schemeClr val="accent1"/>
+          </a:fillRef>
+          <a:effectRef idx="2">
+            <a:schemeClr val="accent1"/>
+          </a:effectRef>
+          <a:fontRef idx="minor">
+            <a:schemeClr val="lt1"/>
+          </a:fontRef>
+        </p:style>
+        <p:txBody>
+          <a:bodyPr rtlCol="0" anchor="ctr"/>
+          <a:lstStyle/>
+          <a:p>
+            <a:pPr algn="ctr"/>
+            <a:endParaRPr lang="en-US">
+              <a:solidFill>
+                <a:srgbClr val="0070C0"/>
+              </a:solidFill>
+            </a:endParaRPr>
+          </a:p>
+        </p:txBody>
+      </p:sp>
+      <p:sp>
+        <p:nvSpPr>
+          <p:cNvPr id="20" name="Rectangle 19"/>
+          <p:cNvSpPr/>
+          <p:nvPr/>
+        </p:nvSpPr>
+        <p:spPr>
+          <a:xfrm>
+            <a:off x="8169291" y="1424539"/>
+            <a:ext cx="3633826" cy="4524315"/>
+          </a:xfrm>
+          <a:prstGeom prst="rect">
+            <a:avLst/>
+          </a:prstGeom>
+          <a:noFill/>
+          <a:ln>
+            <a:noFill/>
+          </a:ln>
+        </p:spPr>
+        <p:style>
+          <a:lnRef idx="1">
+            <a:schemeClr val="accent1"/>
+          </a:lnRef>
+          <a:fillRef idx="2">
+            <a:schemeClr val="accent1"/>
+          </a:fillRef>
+          <a:effectRef idx="1">
+            <a:schemeClr val="accent1"/>
+          </a:effectRef>
+          <a:fontRef idx="minor">
+            <a:schemeClr val="dk1"/>
+          </a:fontRef>
+        </p:style>
+        <p:txBody>
+          <a:bodyPr wrap="square">
+            <a:spAutoFit/>
+          </a:bodyPr>
+          <a:lstStyle/>
+          <a:p>
+            <a:r>
+              <a:rPr lang="en-US" sz="2400" b="1" dirty="0" smtClean="0">
+                <a:solidFill>
+                  <a:srgbClr val="0070C0"/>
+                </a:solidFill>
+              </a:rPr>
+              <a:t>Example:</a:t>
+            </a:r>
+            <a:endParaRPr lang="en-US" sz="2400" b="1" dirty="0" smtClean="0">
+              <a:solidFill>
+                <a:srgbClr val="0070C0"/>
+              </a:solidFill>
+            </a:endParaRPr>
+          </a:p>
+          <a:p>
+            <a:pPr marL="342900" indent="-342900">
+              <a:buFont typeface="Wingdings" charset="2"/>
+              <a:buChar char="§"/>
+            </a:pPr>
+            <a:r>
+              <a:rPr lang="en-US" sz="2400" dirty="0" smtClean="0">
+                <a:solidFill>
+                  <a:srgbClr val="0070C0"/>
+                </a:solidFill>
+              </a:rPr>
+              <a:t>Bacteria</a:t>
+            </a:r>
+          </a:p>
+          <a:p>
+            <a:pPr marL="800100" lvl="1" indent="-342900">
+              <a:buFont typeface="Wingdings" charset="2"/>
+              <a:buChar char="§"/>
+            </a:pPr>
+            <a:r>
+              <a:rPr lang="en-US" sz="2400" dirty="0" smtClean="0">
+                <a:solidFill>
+                  <a:srgbClr val="0070C0"/>
+                </a:solidFill>
+              </a:rPr>
+              <a:t>E. coli</a:t>
+            </a:r>
+          </a:p>
+          <a:p>
+            <a:pPr marL="800100" lvl="1" indent="-342900">
+              <a:buFont typeface="Wingdings" charset="2"/>
+              <a:buChar char="§"/>
+            </a:pPr>
+            <a:r>
+              <a:rPr lang="en-US" sz="2400" dirty="0" smtClean="0">
+                <a:solidFill>
+                  <a:srgbClr val="0070C0"/>
+                </a:solidFill>
+              </a:rPr>
+              <a:t>Salmonella</a:t>
+            </a:r>
+            <a:endParaRPr lang="en-US" sz="2400" dirty="0" smtClean="0">
+              <a:solidFill>
+                <a:srgbClr val="0070C0"/>
+              </a:solidFill>
+            </a:endParaRPr>
+          </a:p>
+          <a:p>
+            <a:pPr marL="342900" indent="-342900">
+              <a:buFont typeface="Wingdings" charset="2"/>
+              <a:buChar char="§"/>
+            </a:pPr>
+            <a:r>
+              <a:rPr lang="en-US" sz="2400" dirty="0" err="1" smtClean="0">
+                <a:solidFill>
+                  <a:srgbClr val="0070C0"/>
+                </a:solidFill>
+              </a:rPr>
+              <a:t>Eucariota</a:t>
+            </a:r>
+            <a:endParaRPr lang="en-US" sz="2400" dirty="0" smtClean="0">
+              <a:solidFill>
+                <a:srgbClr val="0070C0"/>
+              </a:solidFill>
+            </a:endParaRPr>
+          </a:p>
+          <a:p>
+            <a:pPr marL="800100" lvl="1" indent="-342900">
+              <a:buFont typeface="Wingdings" charset="2"/>
+              <a:buChar char="§"/>
+            </a:pPr>
+            <a:r>
+              <a:rPr lang="en-US" sz="2400" dirty="0" smtClean="0">
+                <a:solidFill>
+                  <a:srgbClr val="0070C0"/>
+                </a:solidFill>
+              </a:rPr>
+              <a:t>Mammalia</a:t>
+            </a:r>
+          </a:p>
+          <a:p>
+            <a:pPr marL="1257300" lvl="2" indent="-342900">
+              <a:buFont typeface="Wingdings" charset="2"/>
+              <a:buChar char="§"/>
+            </a:pPr>
+            <a:r>
+              <a:rPr lang="en-US" sz="2400" dirty="0">
+                <a:solidFill>
+                  <a:srgbClr val="0070C0"/>
+                </a:solidFill>
+              </a:rPr>
+              <a:t>Homo sapiens</a:t>
+            </a:r>
+            <a:endParaRPr lang="en-US" sz="2400" dirty="0" smtClean="0">
+              <a:solidFill>
+                <a:srgbClr val="0070C0"/>
+              </a:solidFill>
+            </a:endParaRPr>
+          </a:p>
+          <a:p>
+            <a:pPr marL="1257300" lvl="2" indent="-342900">
+              <a:buFont typeface="Wingdings" charset="2"/>
+              <a:buChar char="§"/>
+            </a:pPr>
+            <a:r>
+              <a:rPr lang="en-US" sz="2400" dirty="0">
+                <a:solidFill>
+                  <a:srgbClr val="0070C0"/>
+                </a:solidFill>
+              </a:rPr>
+              <a:t>Mus </a:t>
+            </a:r>
+            <a:r>
+              <a:rPr lang="en-US" sz="2400" dirty="0" err="1" smtClean="0">
+                <a:solidFill>
+                  <a:srgbClr val="0070C0"/>
+                </a:solidFill>
+              </a:rPr>
+              <a:t>musculus</a:t>
+            </a:r>
+            <a:endParaRPr lang="en-US" sz="2400" dirty="0" smtClean="0">
+              <a:solidFill>
+                <a:srgbClr val="0070C0"/>
+              </a:solidFill>
+            </a:endParaRPr>
+          </a:p>
+          <a:p>
+            <a:pPr marL="800100" lvl="1" indent="-342900">
+              <a:buFont typeface="Wingdings" charset="2"/>
+              <a:buChar char="§"/>
+            </a:pPr>
+            <a:r>
+              <a:rPr lang="en-US" sz="2400" dirty="0" err="1" smtClean="0">
+                <a:solidFill>
+                  <a:srgbClr val="0070C0"/>
+                </a:solidFill>
+              </a:rPr>
+              <a:t>Insecta</a:t>
+            </a:r>
+            <a:endParaRPr lang="en-US" sz="2400" dirty="0" smtClean="0">
+              <a:solidFill>
+                <a:srgbClr val="0070C0"/>
+              </a:solidFill>
+            </a:endParaRPr>
+          </a:p>
+          <a:p>
+            <a:pPr marL="1257300" lvl="2" indent="-342900">
+              <a:buFont typeface="Wingdings" charset="2"/>
+              <a:buChar char="§"/>
+            </a:pPr>
+            <a:r>
+              <a:rPr lang="en-US" sz="2400" dirty="0">
+                <a:solidFill>
+                  <a:srgbClr val="0070C0"/>
+                </a:solidFill>
+              </a:rPr>
+              <a:t>Drosophila melanogaster</a:t>
+            </a:r>
+          </a:p>
+          <a:p>
+            <a:pPr marL="1257300" lvl="2" indent="-342900">
+              <a:buFont typeface="Wingdings" charset="2"/>
+              <a:buChar char="§"/>
+            </a:pPr>
+            <a:endParaRPr lang="en-US" sz="2400" dirty="0" smtClean="0">
+              <a:solidFill>
+                <a:srgbClr val="0070C0"/>
+              </a:solidFill>
+            </a:endParaRPr>
+          </a:p>
+        </p:txBody>
+      </p:sp>
+      <p:sp>
+        <p:nvSpPr>
+          <p:cNvPr id="11" name="Rectangle 10"/>
+          <p:cNvSpPr/>
+          <p:nvPr/>
+        </p:nvSpPr>
+        <p:spPr>
+          <a:xfrm>
+            <a:off x="638629" y="1424539"/>
+            <a:ext cx="2637971" cy="1938992"/>
+          </a:xfrm>
+          <a:prstGeom prst="rect">
+            <a:avLst/>
+          </a:prstGeom>
+          <a:noFill/>
+        </p:spPr>
+        <p:txBody>
+          <a:bodyPr wrap="square">
+            <a:spAutoFit/>
+          </a:bodyPr>
+          <a:lstStyle/>
+          <a:p>
+            <a:r>
+              <a:rPr lang="en-US" sz="2400" b="1" dirty="0" smtClean="0">
+                <a:solidFill>
+                  <a:srgbClr val="0070C0"/>
+                </a:solidFill>
+              </a:rPr>
+              <a:t>Definition:</a:t>
+            </a:r>
+          </a:p>
+          <a:p>
+            <a:r>
+              <a:rPr lang="en-US" sz="2400" dirty="0">
+                <a:solidFill>
+                  <a:srgbClr val="0070C0"/>
+                </a:solidFill>
+              </a:rPr>
+              <a:t>A formal conceptualization of a specified domain</a:t>
+            </a:r>
+          </a:p>
+        </p:txBody>
+      </p:sp>
+      <p:sp>
+        <p:nvSpPr>
+          <p:cNvPr id="12" name="Rectangle 11"/>
+          <p:cNvSpPr/>
+          <p:nvPr/>
+        </p:nvSpPr>
+        <p:spPr>
+          <a:xfrm>
+            <a:off x="3003329" y="1447800"/>
+            <a:ext cx="4669223" cy="3785652"/>
+          </a:xfrm>
+          <a:prstGeom prst="rect">
+            <a:avLst/>
+          </a:prstGeom>
+          <a:noFill/>
+          <a:ln>
+            <a:noFill/>
+          </a:ln>
+        </p:spPr>
+        <p:style>
+          <a:lnRef idx="1">
+            <a:schemeClr val="accent1"/>
+          </a:lnRef>
+          <a:fillRef idx="2">
+            <a:schemeClr val="accent1"/>
+          </a:fillRef>
+          <a:effectRef idx="1">
+            <a:schemeClr val="accent1"/>
+          </a:effectRef>
+          <a:fontRef idx="minor">
+            <a:schemeClr val="dk1"/>
+          </a:fontRef>
+        </p:style>
+        <p:txBody>
+          <a:bodyPr wrap="square">
+            <a:spAutoFit/>
+          </a:bodyPr>
+          <a:lstStyle/>
+          <a:p>
+            <a:r>
+              <a:rPr lang="en-US" sz="2400" b="1" dirty="0" smtClean="0">
+                <a:solidFill>
+                  <a:srgbClr val="0070C0"/>
+                </a:solidFill>
+              </a:rPr>
+              <a:t>Key Features:</a:t>
+            </a:r>
+          </a:p>
+          <a:p>
+            <a:pPr marL="342900" indent="-342900">
+              <a:buFont typeface="Wingdings" charset="2"/>
+              <a:buChar char="§"/>
+            </a:pPr>
+            <a:r>
+              <a:rPr lang="en-US" sz="2400" dirty="0">
+                <a:solidFill>
+                  <a:srgbClr val="0070C0"/>
+                </a:solidFill>
+              </a:rPr>
+              <a:t>Terms are defined</a:t>
+            </a:r>
+          </a:p>
+          <a:p>
+            <a:pPr marL="342900" indent="-342900">
+              <a:buFont typeface="Wingdings" charset="2"/>
+              <a:buChar char="§"/>
+            </a:pPr>
+            <a:r>
+              <a:rPr lang="en-US" sz="2400" dirty="0">
+                <a:solidFill>
+                  <a:srgbClr val="0070C0"/>
+                </a:solidFill>
+              </a:rPr>
+              <a:t>Relationships between terms are defined, allowing logical inference and sophisticated data queries</a:t>
+            </a:r>
+          </a:p>
+          <a:p>
+            <a:pPr marL="342900" indent="-342900">
+              <a:buFont typeface="Wingdings" charset="2"/>
+              <a:buChar char="§"/>
+            </a:pPr>
+            <a:r>
+              <a:rPr lang="en-US" sz="2400" dirty="0">
+                <a:solidFill>
+                  <a:srgbClr val="0070C0"/>
+                </a:solidFill>
+              </a:rPr>
+              <a:t>Terms are arranged in a hierarchy</a:t>
+            </a:r>
+          </a:p>
+          <a:p>
+            <a:pPr marL="342900" indent="-342900">
+              <a:buFont typeface="Wingdings" charset="2"/>
+              <a:buChar char="§"/>
+            </a:pPr>
+            <a:r>
+              <a:rPr lang="en-US" sz="2400" dirty="0">
+                <a:solidFill>
+                  <a:srgbClr val="0070C0"/>
+                </a:solidFill>
+              </a:rPr>
+              <a:t>Expressed in a knowledge representation language such as RDFS, OBO, or OWL</a:t>
+            </a:r>
+          </a:p>
+        </p:txBody>
+      </p:sp>
+      <p:sp>
+        <p:nvSpPr>
+          <p:cNvPr id="13" name="TextBox 12"/>
+          <p:cNvSpPr txBox="1"/>
+          <p:nvPr/>
+        </p:nvSpPr>
+        <p:spPr>
+          <a:xfrm>
+            <a:off x="4982029" y="3786739"/>
+            <a:ext cx="184666" cy="369332"/>
+          </a:xfrm>
+          <a:prstGeom prst="rect">
+            <a:avLst/>
+          </a:prstGeom>
+          <a:noFill/>
+        </p:spPr>
+        <p:txBody>
+          <a:bodyPr wrap="none" rtlCol="0">
+            <a:spAutoFit/>
+          </a:bodyPr>
+          <a:lstStyle/>
+          <a:p>
+            <a:endParaRPr lang="en-US" dirty="0">
+              <a:solidFill>
+                <a:srgbClr val="0070C0"/>
+              </a:solidFill>
+            </a:endParaRPr>
+          </a:p>
+        </p:txBody>
+      </p:sp>
+      <p:pic>
+        <p:nvPicPr>
+          <p:cNvPr id="21" name="Picture 20"/>
+          <p:cNvPicPr>
+            <a:picLocks noChangeAspect="1"/>
+          </p:cNvPicPr>
+          <p:nvPr/>
+        </p:nvPicPr>
+        <p:blipFill>
+          <a:blip r:embed="rId4">
+            <a:extLst>
+              <a:ext uri="{28A0092B-C50C-407E-A947-70E740481C1C}">
+                <a14:useLocalDpi xmlns:a14="http://schemas.microsoft.com/office/drawing/2010/main" val="0"/>
+              </a:ext>
+            </a:extLst>
+          </a:blip>
+          <a:stretch>
+            <a:fillRect/>
+          </a:stretch>
+        </p:blipFill>
+        <p:spPr>
+          <a:xfrm>
+            <a:off x="0" y="1295400"/>
+            <a:ext cx="738739" cy="738739"/>
+          </a:xfrm>
+          <a:prstGeom prst="rect">
+            <a:avLst/>
+          </a:prstGeom>
+        </p:spPr>
+      </p:pic>
+      <p:pic>
+        <p:nvPicPr>
+          <p:cNvPr id="22" name="Picture 21"/>
+          <p:cNvPicPr>
+            <a:picLocks noChangeAspect="1"/>
+          </p:cNvPicPr>
+          <p:nvPr/>
+        </p:nvPicPr>
+        <p:blipFill>
+          <a:blip r:embed="rId4">
+            <a:extLst>
+              <a:ext uri="{28A0092B-C50C-407E-A947-70E740481C1C}">
+                <a14:useLocalDpi xmlns:a14="http://schemas.microsoft.com/office/drawing/2010/main" val="0"/>
+              </a:ext>
+            </a:extLst>
+          </a:blip>
+          <a:stretch>
+            <a:fillRect/>
+          </a:stretch>
+        </p:blipFill>
+        <p:spPr>
+          <a:xfrm>
+            <a:off x="2393729" y="1295400"/>
+            <a:ext cx="738739" cy="738739"/>
+          </a:xfrm>
+          <a:prstGeom prst="rect">
+            <a:avLst/>
+          </a:prstGeom>
+        </p:spPr>
+      </p:pic>
+    </p:spTree>
+    <p:extLst>
+      <p:ext uri="{BB962C8B-B14F-4D97-AF65-F5344CB8AC3E}">
+        <p14:creationId xmlns:p14="http://schemas.microsoft.com/office/powerpoint/2010/main" val="3604029296"/>
+      </p:ext>
+    </p:extLst>
+  </p:cSld>
+  <p:clrMapOvr>
+    <a:masterClrMapping/>
+  </p:clrMapOvr>
+</p:sld>
+</file>
+
+<file path=ppt/slides/slide15.xml><?xml version="1.0" encoding="utf-8"?>
+<p:sld xmlns:a="http://schemas.openxmlformats.org/drawingml/2006/main" xmlns:r="http://schemas.openxmlformats.org/officeDocument/2006/relationships" xmlns:p="http://schemas.openxmlformats.org/presentationml/2006/main">
+  <p:cSld>
+    <p:spTree>
+      <p:nvGrpSpPr>
+        <p:cNvPr id="1" name=""/>
+        <p:cNvGrpSpPr/>
+        <p:nvPr/>
+      </p:nvGrpSpPr>
+      <p:grpSpPr>
+        <a:xfrm>
+          <a:off x="0" y="0"/>
+          <a:ext cx="0" cy="0"/>
+          <a:chOff x="0" y="0"/>
+          <a:chExt cx="0" cy="0"/>
+        </a:xfrm>
+      </p:grpSpPr>
+      <p:pic>
+        <p:nvPicPr>
+          <p:cNvPr id="8" name="Picture 2" descr="Ed_DaSH">
+            <a:extLst>
+              <a:ext uri="{FF2B5EF4-FFF2-40B4-BE49-F238E27FC236}">
+                <a16:creationId xmlns:a16="http://schemas.microsoft.com/office/drawing/2014/main" id="{A783256F-E39E-4712-96B0-240BD611CFEB}"/>
+              </a:ext>
+            </a:extLst>
+          </p:cNvPr>
+          <p:cNvPicPr>
+            <a:picLocks noChangeAspect="1" noChangeArrowheads="1"/>
+          </p:cNvPicPr>
+          <p:nvPr/>
+        </p:nvPicPr>
+        <p:blipFill>
+          <a:blip r:embed="rId3" cstate="hqprint">
+            <a:extLst>
+              <a:ext uri="{28A0092B-C50C-407E-A947-70E740481C1C}">
+                <a14:useLocalDpi xmlns:a14="http://schemas.microsoft.com/office/drawing/2010/main" val="0"/>
+              </a:ext>
+            </a:extLst>
+          </a:blip>
+          <a:srcRect/>
+          <a:stretch>
+            <a:fillRect/>
+          </a:stretch>
+        </p:blipFill>
+        <p:spPr bwMode="auto">
+          <a:xfrm>
+            <a:off x="10820670" y="5458691"/>
+            <a:ext cx="1289214" cy="1325418"/>
+          </a:xfrm>
+          <a:prstGeom prst="rect">
+            <a:avLst/>
+          </a:prstGeom>
+          <a:noFill/>
+          <a:extLst>
+            <a:ext uri="{909E8E84-426E-40DD-AFC4-6F175D3DCCD1}">
+              <a14:hiddenFill xmlns:a14="http://schemas.microsoft.com/office/drawing/2010/main">
+                <a:solidFill>
+                  <a:srgbClr val="FFFFFF"/>
+                </a:solidFill>
+              </a14:hiddenFill>
+            </a:ext>
+          </a:extLst>
+        </p:spPr>
+      </p:pic>
+      <p:sp>
+        <p:nvSpPr>
+          <p:cNvPr id="4" name="TextBox 3">
+            <a:extLst>
+              <a:ext uri="{FF2B5EF4-FFF2-40B4-BE49-F238E27FC236}">
+                <a16:creationId xmlns:a16="http://schemas.microsoft.com/office/drawing/2014/main" id="{EE6143B8-875F-4DCA-8787-95D765751952}"/>
+              </a:ext>
+            </a:extLst>
+          </p:cNvPr>
+          <p:cNvSpPr txBox="1"/>
+          <p:nvPr/>
+        </p:nvSpPr>
+        <p:spPr>
+          <a:xfrm>
+            <a:off x="597382" y="240994"/>
+            <a:ext cx="11368830" cy="646331"/>
+          </a:xfrm>
+          <a:prstGeom prst="rect">
+            <a:avLst/>
+          </a:prstGeom>
+          <a:noFill/>
+        </p:spPr>
+        <p:txBody>
+          <a:bodyPr wrap="square">
+            <a:spAutoFit/>
+          </a:bodyPr>
+          <a:lstStyle/>
+          <a:p>
+            <a:r>
+              <a:rPr lang="en-GB" sz="3600" dirty="0" smtClean="0">
+                <a:solidFill>
+                  <a:srgbClr val="0070C0"/>
+                </a:solidFill>
+              </a:rPr>
+              <a:t>Ontology</a:t>
+            </a:r>
+            <a:endParaRPr lang="en-GB" sz="3600" dirty="0">
+              <a:solidFill>
+                <a:srgbClr val="0070C0"/>
+              </a:solidFill>
+            </a:endParaRPr>
+          </a:p>
+        </p:txBody>
+      </p:sp>
+      <p:sp>
+        <p:nvSpPr>
+          <p:cNvPr id="14" name="Rectangle 13"/>
+          <p:cNvSpPr/>
+          <p:nvPr/>
+        </p:nvSpPr>
+        <p:spPr>
+          <a:xfrm>
+            <a:off x="2288627" y="1536022"/>
+            <a:ext cx="2590800" cy="4114800"/>
+          </a:xfrm>
+          <a:prstGeom prst="rect">
+            <a:avLst/>
+          </a:prstGeom>
+          <a:noFill/>
+          <a:ln>
+            <a:noFill/>
+          </a:ln>
+          <a:effectLst>
+            <a:outerShdw blurRad="50800" dist="38100" dir="2700000" algn="tl" rotWithShape="0">
+              <a:srgbClr val="000000">
+                <a:alpha val="43000"/>
+              </a:srgbClr>
+            </a:outerShdw>
+          </a:effectLst>
+        </p:spPr>
+        <p:style>
+          <a:lnRef idx="1">
+            <a:schemeClr val="accent1"/>
+          </a:lnRef>
+          <a:fillRef idx="3">
+            <a:schemeClr val="accent1"/>
+          </a:fillRef>
+          <a:effectRef idx="2">
+            <a:schemeClr val="accent1"/>
+          </a:effectRef>
+          <a:fontRef idx="minor">
+            <a:schemeClr val="lt1"/>
+          </a:fontRef>
+        </p:style>
+        <p:txBody>
+          <a:bodyPr rtlCol="0" anchor="ctr"/>
+          <a:lstStyle/>
+          <a:p>
+            <a:pPr algn="ctr"/>
+            <a:endParaRPr lang="en-US">
+              <a:solidFill>
+                <a:srgbClr val="0070C0"/>
+              </a:solidFill>
+            </a:endParaRPr>
+          </a:p>
+        </p:txBody>
+      </p:sp>
+      <p:sp>
+        <p:nvSpPr>
+          <p:cNvPr id="20" name="Rectangle 19"/>
+          <p:cNvSpPr/>
+          <p:nvPr/>
+        </p:nvSpPr>
+        <p:spPr>
+          <a:xfrm>
+            <a:off x="8169291" y="1424539"/>
+            <a:ext cx="3633826" cy="4524315"/>
+          </a:xfrm>
+          <a:prstGeom prst="rect">
+            <a:avLst/>
+          </a:prstGeom>
+          <a:noFill/>
+          <a:ln>
+            <a:noFill/>
+          </a:ln>
+        </p:spPr>
+        <p:style>
+          <a:lnRef idx="1">
+            <a:schemeClr val="accent1"/>
+          </a:lnRef>
+          <a:fillRef idx="2">
+            <a:schemeClr val="accent1"/>
+          </a:fillRef>
+          <a:effectRef idx="1">
+            <a:schemeClr val="accent1"/>
+          </a:effectRef>
+          <a:fontRef idx="minor">
+            <a:schemeClr val="dk1"/>
+          </a:fontRef>
+        </p:style>
+        <p:txBody>
+          <a:bodyPr wrap="square">
+            <a:spAutoFit/>
+          </a:bodyPr>
+          <a:lstStyle/>
+          <a:p>
+            <a:r>
+              <a:rPr lang="en-US" sz="2400" b="1" dirty="0" smtClean="0">
+                <a:solidFill>
+                  <a:srgbClr val="0070C0"/>
+                </a:solidFill>
+              </a:rPr>
+              <a:t>Example:</a:t>
+            </a:r>
+            <a:endParaRPr lang="en-US" sz="2400" b="1" dirty="0" smtClean="0">
+              <a:solidFill>
+                <a:srgbClr val="0070C0"/>
+              </a:solidFill>
+            </a:endParaRPr>
+          </a:p>
+          <a:p>
+            <a:pPr marL="342900" indent="-342900">
+              <a:buFont typeface="Wingdings" charset="2"/>
+              <a:buChar char="§"/>
+            </a:pPr>
+            <a:r>
+              <a:rPr lang="en-US" sz="2400" dirty="0" smtClean="0">
+                <a:solidFill>
+                  <a:srgbClr val="0070C0"/>
+                </a:solidFill>
+              </a:rPr>
+              <a:t>Bacteria</a:t>
+            </a:r>
+          </a:p>
+          <a:p>
+            <a:pPr marL="800100" lvl="1" indent="-342900">
+              <a:buFont typeface="Wingdings" charset="2"/>
+              <a:buChar char="§"/>
+            </a:pPr>
+            <a:r>
+              <a:rPr lang="en-US" sz="2400" dirty="0" smtClean="0">
+                <a:solidFill>
+                  <a:srgbClr val="0070C0"/>
+                </a:solidFill>
+              </a:rPr>
+              <a:t>E. coli</a:t>
+            </a:r>
+          </a:p>
+          <a:p>
+            <a:pPr marL="800100" lvl="1" indent="-342900">
+              <a:buFont typeface="Wingdings" charset="2"/>
+              <a:buChar char="§"/>
+            </a:pPr>
+            <a:r>
+              <a:rPr lang="en-US" sz="2400" dirty="0" smtClean="0">
+                <a:solidFill>
+                  <a:srgbClr val="0070C0"/>
+                </a:solidFill>
+              </a:rPr>
+              <a:t>Salmonella</a:t>
+            </a:r>
+            <a:endParaRPr lang="en-US" sz="2400" dirty="0" smtClean="0">
+              <a:solidFill>
+                <a:srgbClr val="0070C0"/>
+              </a:solidFill>
+            </a:endParaRPr>
+          </a:p>
+          <a:p>
+            <a:pPr marL="342900" indent="-342900">
+              <a:buFont typeface="Wingdings" charset="2"/>
+              <a:buChar char="§"/>
+            </a:pPr>
+            <a:r>
+              <a:rPr lang="en-US" sz="2400" dirty="0" err="1" smtClean="0">
+                <a:solidFill>
+                  <a:srgbClr val="0070C0"/>
+                </a:solidFill>
+              </a:rPr>
+              <a:t>Eucariota</a:t>
+            </a:r>
+            <a:endParaRPr lang="en-US" sz="2400" dirty="0" smtClean="0">
+              <a:solidFill>
+                <a:srgbClr val="0070C0"/>
+              </a:solidFill>
+            </a:endParaRPr>
+          </a:p>
+          <a:p>
+            <a:pPr marL="800100" lvl="1" indent="-342900">
+              <a:buFont typeface="Wingdings" charset="2"/>
+              <a:buChar char="§"/>
+            </a:pPr>
+            <a:r>
+              <a:rPr lang="en-US" sz="2400" dirty="0" smtClean="0">
+                <a:solidFill>
+                  <a:srgbClr val="0070C0"/>
+                </a:solidFill>
+              </a:rPr>
+              <a:t>Mammalia</a:t>
+            </a:r>
+          </a:p>
+          <a:p>
+            <a:pPr marL="1257300" lvl="2" indent="-342900">
+              <a:buFont typeface="Wingdings" charset="2"/>
+              <a:buChar char="§"/>
+            </a:pPr>
+            <a:r>
+              <a:rPr lang="en-US" sz="2400" dirty="0">
+                <a:solidFill>
+                  <a:srgbClr val="0070C0"/>
+                </a:solidFill>
+              </a:rPr>
+              <a:t>Homo sapiens</a:t>
+            </a:r>
+            <a:endParaRPr lang="en-US" sz="2400" dirty="0" smtClean="0">
+              <a:solidFill>
+                <a:srgbClr val="0070C0"/>
+              </a:solidFill>
+            </a:endParaRPr>
+          </a:p>
+          <a:p>
+            <a:pPr marL="1257300" lvl="2" indent="-342900">
+              <a:buFont typeface="Wingdings" charset="2"/>
+              <a:buChar char="§"/>
+            </a:pPr>
+            <a:r>
+              <a:rPr lang="en-US" sz="2400" dirty="0">
+                <a:solidFill>
+                  <a:srgbClr val="0070C0"/>
+                </a:solidFill>
+              </a:rPr>
+              <a:t>Mus </a:t>
+            </a:r>
+            <a:r>
+              <a:rPr lang="en-US" sz="2400" dirty="0" err="1" smtClean="0">
+                <a:solidFill>
+                  <a:srgbClr val="0070C0"/>
+                </a:solidFill>
+              </a:rPr>
+              <a:t>musculus</a:t>
+            </a:r>
+            <a:endParaRPr lang="en-US" sz="2400" dirty="0" smtClean="0">
+              <a:solidFill>
+                <a:srgbClr val="0070C0"/>
+              </a:solidFill>
+            </a:endParaRPr>
+          </a:p>
+          <a:p>
+            <a:pPr marL="800100" lvl="1" indent="-342900">
+              <a:buFont typeface="Wingdings" charset="2"/>
+              <a:buChar char="§"/>
+            </a:pPr>
+            <a:r>
+              <a:rPr lang="en-US" sz="2400" dirty="0" err="1" smtClean="0">
+                <a:solidFill>
+                  <a:srgbClr val="0070C0"/>
+                </a:solidFill>
+              </a:rPr>
+              <a:t>Insecta</a:t>
+            </a:r>
+            <a:endParaRPr lang="en-US" sz="2400" dirty="0" smtClean="0">
+              <a:solidFill>
+                <a:srgbClr val="0070C0"/>
+              </a:solidFill>
+            </a:endParaRPr>
+          </a:p>
+          <a:p>
+            <a:pPr marL="1257300" lvl="2" indent="-342900">
+              <a:buFont typeface="Wingdings" charset="2"/>
+              <a:buChar char="§"/>
+            </a:pPr>
+            <a:r>
+              <a:rPr lang="en-US" sz="2400" dirty="0">
+                <a:solidFill>
+                  <a:srgbClr val="0070C0"/>
+                </a:solidFill>
+              </a:rPr>
+              <a:t>Drosophila melanogaster</a:t>
+            </a:r>
+          </a:p>
+          <a:p>
+            <a:pPr marL="1257300" lvl="2" indent="-342900">
+              <a:buFont typeface="Wingdings" charset="2"/>
+              <a:buChar char="§"/>
+            </a:pPr>
+            <a:endParaRPr lang="en-US" sz="2400" dirty="0" smtClean="0">
+              <a:solidFill>
+                <a:srgbClr val="0070C0"/>
+              </a:solidFill>
+            </a:endParaRPr>
+          </a:p>
+        </p:txBody>
+      </p:sp>
+      <p:sp>
+        <p:nvSpPr>
+          <p:cNvPr id="11" name="Rectangle 10"/>
+          <p:cNvSpPr/>
+          <p:nvPr/>
+        </p:nvSpPr>
+        <p:spPr>
+          <a:xfrm>
+            <a:off x="638629" y="1424539"/>
+            <a:ext cx="2637971" cy="1938992"/>
+          </a:xfrm>
+          <a:prstGeom prst="rect">
+            <a:avLst/>
+          </a:prstGeom>
+          <a:noFill/>
+        </p:spPr>
+        <p:txBody>
+          <a:bodyPr wrap="square">
+            <a:spAutoFit/>
+          </a:bodyPr>
+          <a:lstStyle/>
+          <a:p>
+            <a:r>
+              <a:rPr lang="en-US" sz="2400" b="1" dirty="0" smtClean="0">
+                <a:solidFill>
+                  <a:srgbClr val="0070C0"/>
+                </a:solidFill>
+              </a:rPr>
+              <a:t>Definition:</a:t>
+            </a:r>
+          </a:p>
+          <a:p>
+            <a:r>
+              <a:rPr lang="en-US" sz="2400" dirty="0">
+                <a:solidFill>
+                  <a:srgbClr val="0070C0"/>
+                </a:solidFill>
+              </a:rPr>
+              <a:t>A formal conceptualization of a specified domain</a:t>
+            </a:r>
+          </a:p>
+        </p:txBody>
+      </p:sp>
+      <p:sp>
+        <p:nvSpPr>
+          <p:cNvPr id="13" name="TextBox 12"/>
+          <p:cNvSpPr txBox="1"/>
+          <p:nvPr/>
+        </p:nvSpPr>
+        <p:spPr>
+          <a:xfrm>
+            <a:off x="4982029" y="3786739"/>
+            <a:ext cx="184666" cy="369332"/>
+          </a:xfrm>
+          <a:prstGeom prst="rect">
+            <a:avLst/>
+          </a:prstGeom>
+          <a:noFill/>
+        </p:spPr>
+        <p:txBody>
+          <a:bodyPr wrap="none" rtlCol="0">
+            <a:spAutoFit/>
+          </a:bodyPr>
+          <a:lstStyle/>
+          <a:p>
+            <a:endParaRPr lang="en-US" dirty="0">
+              <a:solidFill>
+                <a:srgbClr val="0070C0"/>
+              </a:solidFill>
+            </a:endParaRPr>
+          </a:p>
+        </p:txBody>
+      </p:sp>
+      <p:pic>
+        <p:nvPicPr>
+          <p:cNvPr id="21" name="Picture 20"/>
+          <p:cNvPicPr>
+            <a:picLocks noChangeAspect="1"/>
+          </p:cNvPicPr>
+          <p:nvPr/>
+        </p:nvPicPr>
+        <p:blipFill>
+          <a:blip r:embed="rId4">
+            <a:extLst>
+              <a:ext uri="{28A0092B-C50C-407E-A947-70E740481C1C}">
+                <a14:useLocalDpi xmlns:a14="http://schemas.microsoft.com/office/drawing/2010/main" val="0"/>
+              </a:ext>
+            </a:extLst>
+          </a:blip>
+          <a:stretch>
+            <a:fillRect/>
+          </a:stretch>
+        </p:blipFill>
+        <p:spPr>
+          <a:xfrm>
+            <a:off x="0" y="1295400"/>
+            <a:ext cx="738739" cy="738739"/>
+          </a:xfrm>
+          <a:prstGeom prst="rect">
+            <a:avLst/>
+          </a:prstGeom>
+        </p:spPr>
+      </p:pic>
+      <p:sp>
+        <p:nvSpPr>
+          <p:cNvPr id="2" name="TextBox 1"/>
+          <p:cNvSpPr txBox="1"/>
+          <p:nvPr/>
+        </p:nvSpPr>
+        <p:spPr>
+          <a:xfrm>
+            <a:off x="5973112" y="2533243"/>
+            <a:ext cx="906017" cy="369332"/>
+          </a:xfrm>
+          <a:prstGeom prst="rect">
+            <a:avLst/>
+          </a:prstGeom>
+          <a:noFill/>
+        </p:spPr>
+        <p:txBody>
+          <a:bodyPr wrap="none" rtlCol="0">
+            <a:spAutoFit/>
+          </a:bodyPr>
+          <a:lstStyle/>
+          <a:p>
+            <a:r>
+              <a:rPr lang="en-GB" dirty="0" smtClean="0">
+                <a:solidFill>
+                  <a:schemeClr val="accent6">
+                    <a:lumMod val="75000"/>
+                  </a:schemeClr>
+                </a:solidFill>
+              </a:rPr>
+              <a:t>nucleus</a:t>
+            </a:r>
+            <a:endParaRPr lang="en-GB" dirty="0">
+              <a:solidFill>
+                <a:schemeClr val="accent6">
+                  <a:lumMod val="75000"/>
+                </a:schemeClr>
+              </a:solidFill>
+            </a:endParaRPr>
+          </a:p>
+        </p:txBody>
+      </p:sp>
+      <p:cxnSp>
+        <p:nvCxnSpPr>
+          <p:cNvPr id="5" name="Straight Arrow Connector 4"/>
+          <p:cNvCxnSpPr/>
+          <p:nvPr/>
+        </p:nvCxnSpPr>
+        <p:spPr>
+          <a:xfrm flipH="1" flipV="1">
+            <a:off x="6971540" y="2781706"/>
+            <a:ext cx="1135903" cy="241738"/>
+          </a:xfrm>
+          <a:prstGeom prst="straightConnector1">
+            <a:avLst/>
+          </a:prstGeom>
+          <a:ln>
+            <a:tailEnd type="triangle"/>
+          </a:ln>
+        </p:spPr>
+        <p:style>
+          <a:lnRef idx="1">
+            <a:schemeClr val="accent1"/>
+          </a:lnRef>
+          <a:fillRef idx="0">
+            <a:schemeClr val="accent1"/>
+          </a:fillRef>
+          <a:effectRef idx="0">
+            <a:schemeClr val="accent1"/>
+          </a:effectRef>
+          <a:fontRef idx="minor">
+            <a:schemeClr val="tx1"/>
+          </a:fontRef>
+        </p:style>
+      </p:cxnSp>
+      <p:sp>
+        <p:nvSpPr>
+          <p:cNvPr id="6" name="TextBox 5"/>
+          <p:cNvSpPr txBox="1"/>
+          <p:nvPr/>
+        </p:nvSpPr>
+        <p:spPr>
+          <a:xfrm>
+            <a:off x="7119849" y="2847765"/>
+            <a:ext cx="1034257" cy="369332"/>
+          </a:xfrm>
+          <a:prstGeom prst="rect">
+            <a:avLst/>
+          </a:prstGeom>
+          <a:noFill/>
+        </p:spPr>
+        <p:txBody>
+          <a:bodyPr wrap="none" rtlCol="0">
+            <a:spAutoFit/>
+          </a:bodyPr>
+          <a:lstStyle/>
+          <a:p>
+            <a:r>
+              <a:rPr lang="en-GB" dirty="0" err="1" smtClean="0">
+                <a:solidFill>
+                  <a:srgbClr val="FFC000"/>
+                </a:solidFill>
+              </a:rPr>
+              <a:t>has_part</a:t>
+            </a:r>
+            <a:endParaRPr lang="en-GB" dirty="0">
+              <a:solidFill>
+                <a:srgbClr val="FFC000"/>
+              </a:solidFill>
+            </a:endParaRPr>
+          </a:p>
+        </p:txBody>
+      </p:sp>
+      <p:sp>
+        <p:nvSpPr>
+          <p:cNvPr id="15" name="TextBox 14"/>
+          <p:cNvSpPr txBox="1"/>
+          <p:nvPr/>
+        </p:nvSpPr>
+        <p:spPr>
+          <a:xfrm>
+            <a:off x="6276713" y="3980052"/>
+            <a:ext cx="1017859" cy="369332"/>
+          </a:xfrm>
+          <a:prstGeom prst="rect">
+            <a:avLst/>
+          </a:prstGeom>
+          <a:noFill/>
+        </p:spPr>
+        <p:txBody>
+          <a:bodyPr wrap="square" rtlCol="0">
+            <a:spAutoFit/>
+          </a:bodyPr>
+          <a:lstStyle/>
+          <a:p>
+            <a:r>
+              <a:rPr lang="en-GB" dirty="0" smtClean="0">
+                <a:solidFill>
+                  <a:schemeClr val="accent6">
+                    <a:lumMod val="75000"/>
+                  </a:schemeClr>
+                </a:solidFill>
+              </a:rPr>
+              <a:t>placenta</a:t>
+            </a:r>
+            <a:endParaRPr lang="en-GB" dirty="0">
+              <a:solidFill>
+                <a:schemeClr val="accent6">
+                  <a:lumMod val="75000"/>
+                </a:schemeClr>
+              </a:solidFill>
+            </a:endParaRPr>
+          </a:p>
+        </p:txBody>
+      </p:sp>
+      <p:cxnSp>
+        <p:nvCxnSpPr>
+          <p:cNvPr id="16" name="Straight Arrow Connector 15"/>
+          <p:cNvCxnSpPr/>
+          <p:nvPr/>
+        </p:nvCxnSpPr>
+        <p:spPr>
+          <a:xfrm flipH="1">
+            <a:off x="7256550" y="3538617"/>
+            <a:ext cx="1261242" cy="441435"/>
+          </a:xfrm>
+          <a:prstGeom prst="straightConnector1">
+            <a:avLst/>
+          </a:prstGeom>
+          <a:ln>
+            <a:tailEnd type="triangle"/>
+          </a:ln>
+        </p:spPr>
+        <p:style>
+          <a:lnRef idx="1">
+            <a:schemeClr val="accent1"/>
+          </a:lnRef>
+          <a:fillRef idx="0">
+            <a:schemeClr val="accent1"/>
+          </a:fillRef>
+          <a:effectRef idx="0">
+            <a:schemeClr val="accent1"/>
+          </a:effectRef>
+          <a:fontRef idx="minor">
+            <a:schemeClr val="tx1"/>
+          </a:fontRef>
+        </p:style>
+      </p:cxnSp>
+      <p:sp>
+        <p:nvSpPr>
+          <p:cNvPr id="17" name="TextBox 16"/>
+          <p:cNvSpPr txBox="1"/>
+          <p:nvPr/>
+        </p:nvSpPr>
+        <p:spPr>
+          <a:xfrm>
+            <a:off x="7396818" y="3747152"/>
+            <a:ext cx="1161929" cy="369332"/>
+          </a:xfrm>
+          <a:prstGeom prst="rect">
+            <a:avLst/>
+          </a:prstGeom>
+          <a:noFill/>
+        </p:spPr>
+        <p:txBody>
+          <a:bodyPr wrap="square" rtlCol="0">
+            <a:spAutoFit/>
+          </a:bodyPr>
+          <a:lstStyle/>
+          <a:p>
+            <a:r>
+              <a:rPr lang="en-GB" dirty="0" err="1" smtClean="0">
+                <a:solidFill>
+                  <a:srgbClr val="FFC000"/>
+                </a:solidFill>
+              </a:rPr>
+              <a:t>has_part</a:t>
+            </a:r>
+            <a:endParaRPr lang="en-GB" dirty="0">
+              <a:solidFill>
+                <a:srgbClr val="FFC000"/>
+              </a:solidFill>
+            </a:endParaRPr>
+          </a:p>
+        </p:txBody>
+      </p:sp>
+      <p:sp>
+        <p:nvSpPr>
+          <p:cNvPr id="23" name="Rectangle 22"/>
+          <p:cNvSpPr/>
+          <p:nvPr/>
+        </p:nvSpPr>
+        <p:spPr>
+          <a:xfrm>
+            <a:off x="3003329" y="1447800"/>
+            <a:ext cx="4859195" cy="830997"/>
+          </a:xfrm>
+          <a:prstGeom prst="rect">
+            <a:avLst/>
+          </a:prstGeom>
+          <a:noFill/>
+          <a:ln>
+            <a:noFill/>
+          </a:ln>
+        </p:spPr>
+        <p:style>
+          <a:lnRef idx="1">
+            <a:schemeClr val="accent1"/>
+          </a:lnRef>
+          <a:fillRef idx="2">
+            <a:schemeClr val="accent1"/>
+          </a:fillRef>
+          <a:effectRef idx="1">
+            <a:schemeClr val="accent1"/>
+          </a:effectRef>
+          <a:fontRef idx="minor">
+            <a:schemeClr val="dk1"/>
+          </a:fontRef>
+        </p:style>
+        <p:txBody>
+          <a:bodyPr wrap="square">
+            <a:spAutoFit/>
+          </a:bodyPr>
+          <a:lstStyle/>
+          <a:p>
+            <a:pPr marL="342900" indent="-342900">
+              <a:buFont typeface="Wingdings" charset="2"/>
+              <a:buChar char="§"/>
+            </a:pPr>
+            <a:r>
+              <a:rPr lang="en-US" sz="2400" dirty="0" smtClean="0">
+                <a:solidFill>
+                  <a:srgbClr val="0070C0"/>
+                </a:solidFill>
+              </a:rPr>
+              <a:t>Relationships between terms are </a:t>
+            </a:r>
+            <a:r>
+              <a:rPr lang="en-US" sz="2400" dirty="0">
+                <a:solidFill>
+                  <a:srgbClr val="0070C0"/>
+                </a:solidFill>
+              </a:rPr>
+              <a:t>defined, allowing </a:t>
+            </a:r>
+            <a:r>
+              <a:rPr lang="en-US" sz="2400" dirty="0" smtClean="0">
+                <a:solidFill>
+                  <a:srgbClr val="0070C0"/>
+                </a:solidFill>
+              </a:rPr>
+              <a:t>logical inference</a:t>
+            </a:r>
+            <a:endParaRPr lang="en-US" sz="2400" dirty="0">
+              <a:solidFill>
+                <a:srgbClr val="0070C0"/>
+              </a:solidFill>
+            </a:endParaRPr>
+          </a:p>
+        </p:txBody>
+      </p:sp>
+    </p:spTree>
+    <p:extLst>
+      <p:ext uri="{BB962C8B-B14F-4D97-AF65-F5344CB8AC3E}">
+        <p14:creationId xmlns:p14="http://schemas.microsoft.com/office/powerpoint/2010/main" val="1494532382"/>
+      </p:ext>
+    </p:extLst>
+  </p:cSld>
+  <p:clrMapOvr>
+    <a:masterClrMapping/>
+  </p:clrMapOvr>
+</p:sld>
+</file>
+
+<file path=ppt/slides/slide16.xml><?xml version="1.0" encoding="utf-8"?>
+<p:sld xmlns:a="http://schemas.openxmlformats.org/drawingml/2006/main" xmlns:r="http://schemas.openxmlformats.org/officeDocument/2006/relationships" xmlns:p="http://schemas.openxmlformats.org/presentationml/2006/main">
+  <p:cSld>
+    <p:spTree>
+      <p:nvGrpSpPr>
+        <p:cNvPr id="1" name=""/>
+        <p:cNvGrpSpPr/>
+        <p:nvPr/>
+      </p:nvGrpSpPr>
+      <p:grpSpPr>
+        <a:xfrm>
+          <a:off x="0" y="0"/>
+          <a:ext cx="0" cy="0"/>
+          <a:chOff x="0" y="0"/>
+          <a:chExt cx="0" cy="0"/>
+        </a:xfrm>
+      </p:grpSpPr>
+      <p:pic>
+        <p:nvPicPr>
+          <p:cNvPr id="18" name="Picture 2" descr="C:\Users\brushm\AppData\Roaming\PixelMetrics\CaptureWiz\Temp\46.png"/>
+          <p:cNvPicPr>
+            <a:picLocks noChangeAspect="1" noChangeArrowheads="1"/>
+          </p:cNvPicPr>
+          <p:nvPr/>
+        </p:nvPicPr>
+        <p:blipFill>
+          <a:blip r:embed="rId3">
+            <a:extLst>
+              <a:ext uri="{28A0092B-C50C-407E-A947-70E740481C1C}">
+                <a14:useLocalDpi xmlns:a14="http://schemas.microsoft.com/office/drawing/2010/main" val="0"/>
+              </a:ext>
+            </a:extLst>
+          </a:blip>
+          <a:srcRect/>
+          <a:stretch>
+            <a:fillRect/>
+          </a:stretch>
+        </p:blipFill>
+        <p:spPr bwMode="auto">
+          <a:xfrm>
+            <a:off x="2168266" y="240994"/>
+            <a:ext cx="8227062" cy="6490498"/>
+          </a:xfrm>
+          <a:prstGeom prst="rect">
+            <a:avLst/>
+          </a:prstGeom>
+          <a:noFill/>
+          <a:extLst>
+            <a:ext uri="{909E8E84-426E-40DD-AFC4-6F175D3DCCD1}">
+              <a14:hiddenFill xmlns:a14="http://schemas.microsoft.com/office/drawing/2010/main">
+                <a:solidFill>
+                  <a:srgbClr val="FFFFFF"/>
+                </a:solidFill>
+              </a14:hiddenFill>
+            </a:ext>
+          </a:extLst>
+        </p:spPr>
+      </p:pic>
+      <p:pic>
+        <p:nvPicPr>
+          <p:cNvPr id="8" name="Picture 2" descr="Ed_DaSH">
+            <a:extLst>
+              <a:ext uri="{FF2B5EF4-FFF2-40B4-BE49-F238E27FC236}">
+                <a16:creationId xmlns:a16="http://schemas.microsoft.com/office/drawing/2014/main" id="{A783256F-E39E-4712-96B0-240BD611CFEB}"/>
+              </a:ext>
+            </a:extLst>
+          </p:cNvPr>
+          <p:cNvPicPr>
+            <a:picLocks noChangeAspect="1" noChangeArrowheads="1"/>
+          </p:cNvPicPr>
+          <p:nvPr/>
+        </p:nvPicPr>
+        <p:blipFill>
+          <a:blip r:embed="rId4" cstate="hqprint">
+            <a:extLst>
+              <a:ext uri="{28A0092B-C50C-407E-A947-70E740481C1C}">
+                <a14:useLocalDpi xmlns:a14="http://schemas.microsoft.com/office/drawing/2010/main" val="0"/>
+              </a:ext>
+            </a:extLst>
+          </a:blip>
+          <a:srcRect/>
+          <a:stretch>
+            <a:fillRect/>
+          </a:stretch>
+        </p:blipFill>
+        <p:spPr bwMode="auto">
+          <a:xfrm>
+            <a:off x="10820670" y="5458691"/>
+            <a:ext cx="1289214" cy="1325418"/>
+          </a:xfrm>
+          <a:prstGeom prst="rect">
+            <a:avLst/>
+          </a:prstGeom>
+          <a:noFill/>
+          <a:extLst>
+            <a:ext uri="{909E8E84-426E-40DD-AFC4-6F175D3DCCD1}">
+              <a14:hiddenFill xmlns:a14="http://schemas.microsoft.com/office/drawing/2010/main">
+                <a:solidFill>
+                  <a:srgbClr val="FFFFFF"/>
+                </a:solidFill>
+              </a14:hiddenFill>
+            </a:ext>
+          </a:extLst>
+        </p:spPr>
+      </p:pic>
+      <p:sp>
+        <p:nvSpPr>
+          <p:cNvPr id="4" name="TextBox 3">
+            <a:extLst>
+              <a:ext uri="{FF2B5EF4-FFF2-40B4-BE49-F238E27FC236}">
+                <a16:creationId xmlns:a16="http://schemas.microsoft.com/office/drawing/2014/main" id="{EE6143B8-875F-4DCA-8787-95D765751952}"/>
+              </a:ext>
+            </a:extLst>
+          </p:cNvPr>
+          <p:cNvSpPr txBox="1"/>
+          <p:nvPr/>
+        </p:nvSpPr>
+        <p:spPr>
+          <a:xfrm>
+            <a:off x="597382" y="240994"/>
+            <a:ext cx="11368830" cy="646331"/>
+          </a:xfrm>
+          <a:prstGeom prst="rect">
+            <a:avLst/>
+          </a:prstGeom>
+          <a:noFill/>
+        </p:spPr>
+        <p:txBody>
+          <a:bodyPr wrap="square">
+            <a:spAutoFit/>
+          </a:bodyPr>
+          <a:lstStyle/>
+          <a:p>
+            <a:r>
+              <a:rPr lang="en-GB" sz="3600" dirty="0" smtClean="0">
+                <a:solidFill>
+                  <a:srgbClr val="0070C0"/>
+                </a:solidFill>
+              </a:rPr>
+              <a:t>Ontologies</a:t>
+            </a:r>
+            <a:endParaRPr lang="en-GB" sz="3600" dirty="0">
+              <a:solidFill>
+                <a:srgbClr val="0070C0"/>
+              </a:solidFill>
+            </a:endParaRPr>
+          </a:p>
+        </p:txBody>
+      </p:sp>
+      <p:sp>
+        <p:nvSpPr>
+          <p:cNvPr id="14" name="Rectangle 13"/>
+          <p:cNvSpPr/>
+          <p:nvPr/>
+        </p:nvSpPr>
+        <p:spPr>
+          <a:xfrm>
+            <a:off x="2288627" y="1536022"/>
+            <a:ext cx="2590800" cy="4114800"/>
+          </a:xfrm>
+          <a:prstGeom prst="rect">
+            <a:avLst/>
+          </a:prstGeom>
+          <a:noFill/>
+          <a:ln>
+            <a:noFill/>
+          </a:ln>
+          <a:effectLst>
+            <a:outerShdw blurRad="50800" dist="38100" dir="2700000" algn="tl" rotWithShape="0">
+              <a:srgbClr val="000000">
+                <a:alpha val="43000"/>
+              </a:srgbClr>
+            </a:outerShdw>
+          </a:effectLst>
+        </p:spPr>
+        <p:style>
+          <a:lnRef idx="1">
+            <a:schemeClr val="accent1"/>
+          </a:lnRef>
+          <a:fillRef idx="3">
+            <a:schemeClr val="accent1"/>
+          </a:fillRef>
+          <a:effectRef idx="2">
+            <a:schemeClr val="accent1"/>
+          </a:effectRef>
+          <a:fontRef idx="minor">
+            <a:schemeClr val="lt1"/>
+          </a:fontRef>
+        </p:style>
+        <p:txBody>
+          <a:bodyPr rtlCol="0" anchor="ctr"/>
+          <a:lstStyle/>
+          <a:p>
+            <a:pPr algn="ctr"/>
+            <a:endParaRPr lang="en-US">
+              <a:solidFill>
+                <a:srgbClr val="0070C0"/>
+              </a:solidFill>
+            </a:endParaRPr>
+          </a:p>
+        </p:txBody>
+      </p:sp>
+    </p:spTree>
+    <p:extLst>
+      <p:ext uri="{BB962C8B-B14F-4D97-AF65-F5344CB8AC3E}">
+        <p14:creationId xmlns:p14="http://schemas.microsoft.com/office/powerpoint/2010/main" val="2257941111"/>
+      </p:ext>
+    </p:extLst>
+  </p:cSld>
+  <p:clrMapOvr>
+    <a:masterClrMapping/>
+  </p:clrMapOvr>
+</p:sld>
+</file>
+
+<file path=ppt/slides/slide17.xml><?xml version="1.0" encoding="utf-8"?>
+<p:sld xmlns:a="http://schemas.openxmlformats.org/drawingml/2006/main" xmlns:r="http://schemas.openxmlformats.org/officeDocument/2006/relationships" xmlns:p="http://schemas.openxmlformats.org/presentationml/2006/main">
+  <p:cSld>
+    <p:spTree>
+      <p:nvGrpSpPr>
+        <p:cNvPr id="1" name=""/>
+        <p:cNvGrpSpPr/>
+        <p:nvPr/>
+      </p:nvGrpSpPr>
+      <p:grpSpPr>
+        <a:xfrm>
+          <a:off x="0" y="0"/>
+          <a:ext cx="0" cy="0"/>
+          <a:chOff x="0" y="0"/>
+          <a:chExt cx="0" cy="0"/>
+        </a:xfrm>
+      </p:grpSpPr>
       <p:sp>
         <p:nvSpPr>
           <p:cNvPr id="4" name="TextBox 3">
@@ -5712,7 +9784,7 @@
 </p:sld>
 </file>
 
-<file path=ppt/slides/slide11.xml><?xml version="1.0" encoding="utf-8"?>
+<file path=ppt/slides/slide18.xml><?xml version="1.0" encoding="utf-8"?>
 <p:sld xmlns:a="http://schemas.openxmlformats.org/drawingml/2006/main" xmlns:r="http://schemas.openxmlformats.org/officeDocument/2006/relationships" xmlns:p="http://schemas.openxmlformats.org/presentationml/2006/main">
   <p:cSld>
     <p:spTree>
@@ -6346,12 +10418,6 @@
               </a:rPr>
               <a:t>Free, unique, and persistent identifier which you control</a:t>
             </a:r>
-            <a:endParaRPr lang="en-GB" dirty="0">
-              <a:solidFill>
-                <a:srgbClr val="0070C0"/>
-              </a:solidFill>
-              <a:latin typeface="Ubuntu"/>
-            </a:endParaRPr>
           </a:p>
         </p:txBody>
       </p:sp>
@@ -7531,11 +11597,6 @@
               </a:rPr>
               <a:t>Public ID in action</a:t>
             </a:r>
-            <a:endParaRPr lang="en-GB" sz="2800" dirty="0">
-              <a:solidFill>
-                <a:srgbClr val="0070C0"/>
-              </a:solidFill>
-            </a:endParaRPr>
           </a:p>
         </p:txBody>
       </p:sp>
